--- a/20240621 EAD Update (Mixed Prelim) - Copy.pptx
+++ b/20240621 EAD Update (Mixed Prelim) - Copy.pptx
@@ -6,10 +6,9 @@
   </p:sldMasterIdLst>
   <p:sldIdLst>
     <p:sldId id="256" r:id="rId2"/>
-    <p:sldId id="367" r:id="rId3"/>
-    <p:sldId id="364" r:id="rId4"/>
-    <p:sldId id="365" r:id="rId5"/>
-    <p:sldId id="366" r:id="rId6"/>
+    <p:sldId id="373" r:id="rId3"/>
+    <p:sldId id="371" r:id="rId4"/>
+    <p:sldId id="372" r:id="rId5"/>
   </p:sldIdLst>
   <p:sldSz cx="12192000" cy="6858000"/>
   <p:notesSz cx="6858000" cy="9144000"/>
@@ -263,7 +262,7 @@
           <a:p>
             <a:fld id="{9E0FCFD6-FF58-4173-9A24-3CED4CAA6438}" type="datetimeFigureOut">
               <a:rPr lang="en-US" smtClean="0"/>
-              <a:t>6/21/2024</a:t>
+              <a:t>10/10/2024</a:t>
             </a:fld>
             <a:endParaRPr lang="en-US"/>
           </a:p>
@@ -461,7 +460,7 @@
           <a:p>
             <a:fld id="{9E0FCFD6-FF58-4173-9A24-3CED4CAA6438}" type="datetimeFigureOut">
               <a:rPr lang="en-US" smtClean="0"/>
-              <a:t>6/21/2024</a:t>
+              <a:t>10/10/2024</a:t>
             </a:fld>
             <a:endParaRPr lang="en-US"/>
           </a:p>
@@ -669,7 +668,7 @@
           <a:p>
             <a:fld id="{9E0FCFD6-FF58-4173-9A24-3CED4CAA6438}" type="datetimeFigureOut">
               <a:rPr lang="en-US" smtClean="0"/>
-              <a:t>6/21/2024</a:t>
+              <a:t>10/10/2024</a:t>
             </a:fld>
             <a:endParaRPr lang="en-US"/>
           </a:p>
@@ -867,7 +866,7 @@
           <a:p>
             <a:fld id="{9E0FCFD6-FF58-4173-9A24-3CED4CAA6438}" type="datetimeFigureOut">
               <a:rPr lang="en-US" smtClean="0"/>
-              <a:t>6/21/2024</a:t>
+              <a:t>10/10/2024</a:t>
             </a:fld>
             <a:endParaRPr lang="en-US"/>
           </a:p>
@@ -1142,7 +1141,7 @@
           <a:p>
             <a:fld id="{9E0FCFD6-FF58-4173-9A24-3CED4CAA6438}" type="datetimeFigureOut">
               <a:rPr lang="en-US" smtClean="0"/>
-              <a:t>6/21/2024</a:t>
+              <a:t>10/10/2024</a:t>
             </a:fld>
             <a:endParaRPr lang="en-US"/>
           </a:p>
@@ -1407,7 +1406,7 @@
           <a:p>
             <a:fld id="{9E0FCFD6-FF58-4173-9A24-3CED4CAA6438}" type="datetimeFigureOut">
               <a:rPr lang="en-US" smtClean="0"/>
-              <a:t>6/21/2024</a:t>
+              <a:t>10/10/2024</a:t>
             </a:fld>
             <a:endParaRPr lang="en-US"/>
           </a:p>
@@ -1819,7 +1818,7 @@
           <a:p>
             <a:fld id="{9E0FCFD6-FF58-4173-9A24-3CED4CAA6438}" type="datetimeFigureOut">
               <a:rPr lang="en-US" smtClean="0"/>
-              <a:t>6/21/2024</a:t>
+              <a:t>10/10/2024</a:t>
             </a:fld>
             <a:endParaRPr lang="en-US"/>
           </a:p>
@@ -1960,7 +1959,7 @@
           <a:p>
             <a:fld id="{9E0FCFD6-FF58-4173-9A24-3CED4CAA6438}" type="datetimeFigureOut">
               <a:rPr lang="en-US" smtClean="0"/>
-              <a:t>6/21/2024</a:t>
+              <a:t>10/10/2024</a:t>
             </a:fld>
             <a:endParaRPr lang="en-US"/>
           </a:p>
@@ -2073,7 +2072,7 @@
           <a:p>
             <a:fld id="{9E0FCFD6-FF58-4173-9A24-3CED4CAA6438}" type="datetimeFigureOut">
               <a:rPr lang="en-US" smtClean="0"/>
-              <a:t>6/21/2024</a:t>
+              <a:t>10/10/2024</a:t>
             </a:fld>
             <a:endParaRPr lang="en-US"/>
           </a:p>
@@ -2384,7 +2383,7 @@
           <a:p>
             <a:fld id="{9E0FCFD6-FF58-4173-9A24-3CED4CAA6438}" type="datetimeFigureOut">
               <a:rPr lang="en-US" smtClean="0"/>
-              <a:t>6/21/2024</a:t>
+              <a:t>10/10/2024</a:t>
             </a:fld>
             <a:endParaRPr lang="en-US"/>
           </a:p>
@@ -2672,7 +2671,7 @@
           <a:p>
             <a:fld id="{9E0FCFD6-FF58-4173-9A24-3CED4CAA6438}" type="datetimeFigureOut">
               <a:rPr lang="en-US" smtClean="0"/>
-              <a:t>6/21/2024</a:t>
+              <a:t>10/10/2024</a:t>
             </a:fld>
             <a:endParaRPr lang="en-US"/>
           </a:p>
@@ -2913,7 +2912,7 @@
           <a:p>
             <a:fld id="{9E0FCFD6-FF58-4173-9A24-3CED4CAA6438}" type="datetimeFigureOut">
               <a:rPr lang="en-US" smtClean="0"/>
-              <a:t>6/21/2024</a:t>
+              <a:t>10/10/2024</a:t>
             </a:fld>
             <a:endParaRPr lang="en-US"/>
           </a:p>
@@ -3416,12 +3415,483 @@
           <a:chExt cx="0" cy="0"/>
         </a:xfrm>
       </p:grpSpPr>
+      <p:sp>
+        <p:nvSpPr>
+          <p:cNvPr id="3" name="TextBox 2">
+            <a:extLst>
+              <a:ext uri="{FF2B5EF4-FFF2-40B4-BE49-F238E27FC236}">
+                <a16:creationId xmlns:a16="http://schemas.microsoft.com/office/drawing/2014/main" id="{6547EC7B-B02F-1126-C672-E119F97D6394}"/>
+              </a:ext>
+            </a:extLst>
+          </p:cNvPr>
+          <p:cNvSpPr txBox="1"/>
+          <p:nvPr/>
+        </p:nvSpPr>
+        <p:spPr>
+          <a:xfrm>
+            <a:off x="371475" y="335607"/>
+            <a:ext cx="5724525" cy="461665"/>
+          </a:xfrm>
+          <a:prstGeom prst="rect">
+            <a:avLst/>
+          </a:prstGeom>
+          <a:noFill/>
+        </p:spPr>
+        <p:txBody>
+          <a:bodyPr wrap="square" rtlCol="0">
+            <a:spAutoFit/>
+          </a:bodyPr>
+          <a:lstStyle/>
+          <a:p>
+            <a:r>
+              <a:rPr lang="en-US" sz="2400" dirty="0"/>
+              <a:t>Summary</a:t>
+            </a:r>
+          </a:p>
+        </p:txBody>
+      </p:sp>
+      <p:grpSp>
+        <p:nvGrpSpPr>
+          <p:cNvPr id="8" name="Group 7">
+            <a:extLst>
+              <a:ext uri="{FF2B5EF4-FFF2-40B4-BE49-F238E27FC236}">
+                <a16:creationId xmlns:a16="http://schemas.microsoft.com/office/drawing/2014/main" id="{28C04D59-6767-C682-C2DF-E55C40BC3BF2}"/>
+              </a:ext>
+            </a:extLst>
+          </p:cNvPr>
+          <p:cNvGrpSpPr/>
+          <p:nvPr/>
+        </p:nvGrpSpPr>
+        <p:grpSpPr>
+          <a:xfrm>
+            <a:off x="2989735" y="1815751"/>
+            <a:ext cx="2846090" cy="927215"/>
+            <a:chOff x="872502" y="1124755"/>
+            <a:chExt cx="2971800" cy="968170"/>
+          </a:xfrm>
+        </p:grpSpPr>
+        <p:pic>
+          <p:nvPicPr>
+            <p:cNvPr id="3074" name="Picture 2">
+              <a:extLst>
+                <a:ext uri="{FF2B5EF4-FFF2-40B4-BE49-F238E27FC236}">
+                  <a16:creationId xmlns:a16="http://schemas.microsoft.com/office/drawing/2014/main" id="{48E317FF-FE2D-CF4C-F796-3480D1BDECD9}"/>
+                </a:ext>
+              </a:extLst>
+            </p:cNvPr>
+            <p:cNvPicPr>
+              <a:picLocks noChangeAspect="1" noChangeArrowheads="1"/>
+            </p:cNvPicPr>
+            <p:nvPr/>
+          </p:nvPicPr>
+          <p:blipFill>
+            <a:blip r:embed="rId2">
+              <a:extLst>
+                <a:ext uri="{28A0092B-C50C-407E-A947-70E740481C1C}">
+                  <a14:useLocalDpi xmlns:a14="http://schemas.microsoft.com/office/drawing/2010/main" val="0"/>
+                </a:ext>
+              </a:extLst>
+            </a:blip>
+            <a:srcRect/>
+            <a:stretch>
+              <a:fillRect/>
+            </a:stretch>
+          </p:blipFill>
+          <p:spPr bwMode="auto">
+            <a:xfrm>
+              <a:off x="872502" y="1376905"/>
+              <a:ext cx="2971800" cy="716020"/>
+            </a:xfrm>
+            <a:prstGeom prst="rect">
+              <a:avLst/>
+            </a:prstGeom>
+            <a:noFill/>
+            <a:extLst>
+              <a:ext uri="{909E8E84-426E-40DD-AFC4-6F175D3DCCD1}">
+                <a14:hiddenFill xmlns:a14="http://schemas.microsoft.com/office/drawing/2010/main">
+                  <a:solidFill>
+                    <a:srgbClr val="FFFFFF"/>
+                  </a:solidFill>
+                </a14:hiddenFill>
+              </a:ext>
+            </a:extLst>
+          </p:spPr>
+        </p:pic>
+        <p:sp>
+          <p:nvSpPr>
+            <p:cNvPr id="7" name="TextBox 6">
+              <a:extLst>
+                <a:ext uri="{FF2B5EF4-FFF2-40B4-BE49-F238E27FC236}">
+                  <a16:creationId xmlns:a16="http://schemas.microsoft.com/office/drawing/2014/main" id="{AEE83364-5BE2-8E76-EA03-FCE4E06DEE9E}"/>
+                </a:ext>
+              </a:extLst>
+            </p:cNvPr>
+            <p:cNvSpPr txBox="1"/>
+            <p:nvPr/>
+          </p:nvSpPr>
+          <p:spPr>
+            <a:xfrm>
+              <a:off x="1806612" y="1124755"/>
+              <a:ext cx="942975" cy="369332"/>
+            </a:xfrm>
+            <a:prstGeom prst="rect">
+              <a:avLst/>
+            </a:prstGeom>
+            <a:noFill/>
+          </p:spPr>
+          <p:txBody>
+            <a:bodyPr wrap="square" rtlCol="0">
+              <a:spAutoFit/>
+            </a:bodyPr>
+            <a:lstStyle/>
+            <a:p>
+              <a:pPr algn="ctr"/>
+              <a:r>
+                <a:rPr lang="en-US" dirty="0"/>
+                <a:t>Mouse</a:t>
+              </a:r>
+            </a:p>
+          </p:txBody>
+        </p:sp>
+      </p:grpSp>
+      <p:grpSp>
+        <p:nvGrpSpPr>
+          <p:cNvPr id="10" name="Group 9">
+            <a:extLst>
+              <a:ext uri="{FF2B5EF4-FFF2-40B4-BE49-F238E27FC236}">
+                <a16:creationId xmlns:a16="http://schemas.microsoft.com/office/drawing/2014/main" id="{AE1E3F54-E335-57F2-7730-F94228FC5A6C}"/>
+              </a:ext>
+            </a:extLst>
+          </p:cNvPr>
+          <p:cNvGrpSpPr/>
+          <p:nvPr/>
+        </p:nvGrpSpPr>
+        <p:grpSpPr>
+          <a:xfrm>
+            <a:off x="5835827" y="1815752"/>
+            <a:ext cx="3207379" cy="927215"/>
+            <a:chOff x="4138613" y="1206385"/>
+            <a:chExt cx="3207379" cy="927215"/>
+          </a:xfrm>
+        </p:grpSpPr>
+        <p:pic>
+          <p:nvPicPr>
+            <p:cNvPr id="3076" name="Picture 4">
+              <a:extLst>
+                <a:ext uri="{FF2B5EF4-FFF2-40B4-BE49-F238E27FC236}">
+                  <a16:creationId xmlns:a16="http://schemas.microsoft.com/office/drawing/2014/main" id="{0160EB96-BAB2-8631-5C71-11BCBA8C8741}"/>
+                </a:ext>
+              </a:extLst>
+            </p:cNvPr>
+            <p:cNvPicPr>
+              <a:picLocks noChangeAspect="1" noChangeArrowheads="1"/>
+            </p:cNvPicPr>
+            <p:nvPr/>
+          </p:nvPicPr>
+          <p:blipFill>
+            <a:blip r:embed="rId3">
+              <a:extLst>
+                <a:ext uri="{28A0092B-C50C-407E-A947-70E740481C1C}">
+                  <a14:useLocalDpi xmlns:a14="http://schemas.microsoft.com/office/drawing/2010/main" val="0"/>
+                </a:ext>
+              </a:extLst>
+            </a:blip>
+            <a:srcRect/>
+            <a:stretch>
+              <a:fillRect/>
+            </a:stretch>
+          </p:blipFill>
+          <p:spPr bwMode="auto">
+            <a:xfrm>
+              <a:off x="4138613" y="1417580"/>
+              <a:ext cx="3207379" cy="716020"/>
+            </a:xfrm>
+            <a:prstGeom prst="rect">
+              <a:avLst/>
+            </a:prstGeom>
+            <a:noFill/>
+            <a:extLst>
+              <a:ext uri="{909E8E84-426E-40DD-AFC4-6F175D3DCCD1}">
+                <a14:hiddenFill xmlns:a14="http://schemas.microsoft.com/office/drawing/2010/main">
+                  <a:solidFill>
+                    <a:srgbClr val="FFFFFF"/>
+                  </a:solidFill>
+                </a14:hiddenFill>
+              </a:ext>
+            </a:extLst>
+          </p:spPr>
+        </p:pic>
+        <p:sp>
+          <p:nvSpPr>
+            <p:cNvPr id="9" name="TextBox 8">
+              <a:extLst>
+                <a:ext uri="{FF2B5EF4-FFF2-40B4-BE49-F238E27FC236}">
+                  <a16:creationId xmlns:a16="http://schemas.microsoft.com/office/drawing/2014/main" id="{D9CD8A9F-880F-5057-873A-E37A36DE3D7C}"/>
+                </a:ext>
+              </a:extLst>
+            </p:cNvPr>
+            <p:cNvSpPr txBox="1"/>
+            <p:nvPr/>
+          </p:nvSpPr>
+          <p:spPr>
+            <a:xfrm>
+              <a:off x="5270814" y="1206385"/>
+              <a:ext cx="942975" cy="369332"/>
+            </a:xfrm>
+            <a:prstGeom prst="rect">
+              <a:avLst/>
+            </a:prstGeom>
+            <a:noFill/>
+          </p:spPr>
+          <p:txBody>
+            <a:bodyPr wrap="square" rtlCol="0">
+              <a:spAutoFit/>
+            </a:bodyPr>
+            <a:lstStyle/>
+            <a:p>
+              <a:pPr algn="ctr"/>
+              <a:r>
+                <a:rPr lang="en-US" dirty="0"/>
+                <a:t>Human</a:t>
+              </a:r>
+            </a:p>
+          </p:txBody>
+        </p:sp>
+      </p:grpSp>
+      <p:grpSp>
+        <p:nvGrpSpPr>
+          <p:cNvPr id="12" name="Group 11">
+            <a:extLst>
+              <a:ext uri="{FF2B5EF4-FFF2-40B4-BE49-F238E27FC236}">
+                <a16:creationId xmlns:a16="http://schemas.microsoft.com/office/drawing/2014/main" id="{F13ACE0D-1A80-0C18-299A-8B47C2E1C292}"/>
+              </a:ext>
+            </a:extLst>
+          </p:cNvPr>
+          <p:cNvGrpSpPr/>
+          <p:nvPr/>
+        </p:nvGrpSpPr>
+        <p:grpSpPr>
+          <a:xfrm>
+            <a:off x="8955922" y="1815752"/>
+            <a:ext cx="3207380" cy="937269"/>
+            <a:chOff x="7598403" y="1206385"/>
+            <a:chExt cx="3207380" cy="937269"/>
+          </a:xfrm>
+        </p:grpSpPr>
+        <p:pic>
+          <p:nvPicPr>
+            <p:cNvPr id="3080" name="Picture 8">
+              <a:extLst>
+                <a:ext uri="{FF2B5EF4-FFF2-40B4-BE49-F238E27FC236}">
+                  <a16:creationId xmlns:a16="http://schemas.microsoft.com/office/drawing/2014/main" id="{D3658FF4-BA97-7BB6-D5C7-45A9FFCFA459}"/>
+                </a:ext>
+              </a:extLst>
+            </p:cNvPr>
+            <p:cNvPicPr>
+              <a:picLocks noChangeAspect="1" noChangeArrowheads="1"/>
+            </p:cNvPicPr>
+            <p:nvPr/>
+          </p:nvPicPr>
+          <p:blipFill>
+            <a:blip r:embed="rId4">
+              <a:extLst>
+                <a:ext uri="{28A0092B-C50C-407E-A947-70E740481C1C}">
+                  <a14:useLocalDpi xmlns:a14="http://schemas.microsoft.com/office/drawing/2010/main" val="0"/>
+                </a:ext>
+              </a:extLst>
+            </a:blip>
+            <a:srcRect/>
+            <a:stretch>
+              <a:fillRect/>
+            </a:stretch>
+          </p:blipFill>
+          <p:spPr bwMode="auto">
+            <a:xfrm>
+              <a:off x="7598403" y="1417580"/>
+              <a:ext cx="3207380" cy="726074"/>
+            </a:xfrm>
+            <a:prstGeom prst="rect">
+              <a:avLst/>
+            </a:prstGeom>
+            <a:noFill/>
+            <a:extLst>
+              <a:ext uri="{909E8E84-426E-40DD-AFC4-6F175D3DCCD1}">
+                <a14:hiddenFill xmlns:a14="http://schemas.microsoft.com/office/drawing/2010/main">
+                  <a:solidFill>
+                    <a:srgbClr val="FFFFFF"/>
+                  </a:solidFill>
+                </a14:hiddenFill>
+              </a:ext>
+            </a:extLst>
+          </p:spPr>
+        </p:pic>
+        <p:sp>
+          <p:nvSpPr>
+            <p:cNvPr id="11" name="TextBox 10">
+              <a:extLst>
+                <a:ext uri="{FF2B5EF4-FFF2-40B4-BE49-F238E27FC236}">
+                  <a16:creationId xmlns:a16="http://schemas.microsoft.com/office/drawing/2014/main" id="{2BDF229F-B9B5-199D-B7CA-42B2B55C5DF1}"/>
+                </a:ext>
+              </a:extLst>
+            </p:cNvPr>
+            <p:cNvSpPr txBox="1"/>
+            <p:nvPr/>
+          </p:nvSpPr>
+          <p:spPr>
+            <a:xfrm>
+              <a:off x="8734095" y="1206385"/>
+              <a:ext cx="942975" cy="369332"/>
+            </a:xfrm>
+            <a:prstGeom prst="rect">
+              <a:avLst/>
+            </a:prstGeom>
+            <a:noFill/>
+          </p:spPr>
+          <p:txBody>
+            <a:bodyPr wrap="square" rtlCol="0">
+              <a:spAutoFit/>
+            </a:bodyPr>
+            <a:lstStyle/>
+            <a:p>
+              <a:pPr algn="ctr"/>
+              <a:r>
+                <a:rPr lang="en-US" dirty="0"/>
+                <a:t>Bovine</a:t>
+              </a:r>
+            </a:p>
+          </p:txBody>
+        </p:sp>
+      </p:grpSp>
+      <p:grpSp>
+        <p:nvGrpSpPr>
+          <p:cNvPr id="14" name="Group 13">
+            <a:extLst>
+              <a:ext uri="{FF2B5EF4-FFF2-40B4-BE49-F238E27FC236}">
+                <a16:creationId xmlns:a16="http://schemas.microsoft.com/office/drawing/2014/main" id="{5928A839-C77A-46FB-CF6B-27D17F173D81}"/>
+              </a:ext>
+            </a:extLst>
+          </p:cNvPr>
+          <p:cNvGrpSpPr/>
+          <p:nvPr/>
+        </p:nvGrpSpPr>
+        <p:grpSpPr>
+          <a:xfrm>
+            <a:off x="8967" y="1800128"/>
+            <a:ext cx="2971801" cy="964162"/>
+            <a:chOff x="46630" y="1214240"/>
+            <a:chExt cx="2971801" cy="964162"/>
+          </a:xfrm>
+        </p:grpSpPr>
+        <p:pic>
+          <p:nvPicPr>
+            <p:cNvPr id="3082" name="Picture 10">
+              <a:extLst>
+                <a:ext uri="{FF2B5EF4-FFF2-40B4-BE49-F238E27FC236}">
+                  <a16:creationId xmlns:a16="http://schemas.microsoft.com/office/drawing/2014/main" id="{176D86AA-2E84-BC62-AC79-7D8EEC32383A}"/>
+                </a:ext>
+              </a:extLst>
+            </p:cNvPr>
+            <p:cNvPicPr>
+              <a:picLocks noChangeAspect="1" noChangeArrowheads="1"/>
+            </p:cNvPicPr>
+            <p:nvPr/>
+          </p:nvPicPr>
+          <p:blipFill>
+            <a:blip r:embed="rId5">
+              <a:extLst>
+                <a:ext uri="{28A0092B-C50C-407E-A947-70E740481C1C}">
+                  <a14:useLocalDpi xmlns:a14="http://schemas.microsoft.com/office/drawing/2010/main" val="0"/>
+                </a:ext>
+              </a:extLst>
+            </a:blip>
+            <a:srcRect/>
+            <a:stretch>
+              <a:fillRect/>
+            </a:stretch>
+          </p:blipFill>
+          <p:spPr bwMode="auto">
+            <a:xfrm>
+              <a:off x="46630" y="1462382"/>
+              <a:ext cx="2971801" cy="716020"/>
+            </a:xfrm>
+            <a:prstGeom prst="rect">
+              <a:avLst/>
+            </a:prstGeom>
+            <a:noFill/>
+            <a:extLst>
+              <a:ext uri="{909E8E84-426E-40DD-AFC4-6F175D3DCCD1}">
+                <a14:hiddenFill xmlns:a14="http://schemas.microsoft.com/office/drawing/2010/main">
+                  <a:solidFill>
+                    <a:srgbClr val="FFFFFF"/>
+                  </a:solidFill>
+                </a14:hiddenFill>
+              </a:ext>
+            </a:extLst>
+          </p:spPr>
+        </p:pic>
+        <p:sp>
+          <p:nvSpPr>
+            <p:cNvPr id="13" name="TextBox 12">
+              <a:extLst>
+                <a:ext uri="{FF2B5EF4-FFF2-40B4-BE49-F238E27FC236}">
+                  <a16:creationId xmlns:a16="http://schemas.microsoft.com/office/drawing/2014/main" id="{D1B43A3A-AB63-456C-837F-44134A635004}"/>
+                </a:ext>
+              </a:extLst>
+            </p:cNvPr>
+            <p:cNvSpPr txBox="1"/>
+            <p:nvPr/>
+          </p:nvSpPr>
+          <p:spPr>
+            <a:xfrm>
+              <a:off x="108279" y="1214240"/>
+              <a:ext cx="2901185" cy="369332"/>
+            </a:xfrm>
+            <a:prstGeom prst="rect">
+              <a:avLst/>
+            </a:prstGeom>
+            <a:noFill/>
+          </p:spPr>
+          <p:txBody>
+            <a:bodyPr wrap="square" rtlCol="0">
+              <a:spAutoFit/>
+            </a:bodyPr>
+            <a:lstStyle/>
+            <a:p>
+              <a:pPr algn="ctr"/>
+              <a:r>
+                <a:rPr lang="en-US" dirty="0"/>
+                <a:t>Rat   </a:t>
+              </a:r>
+              <a:r>
+                <a:rPr lang="en-US" sz="1400" dirty="0"/>
+                <a:t>(non-</a:t>
+              </a:r>
+              <a:r>
+                <a:rPr lang="en-US" sz="1400" dirty="0" err="1"/>
+                <a:t>phos</a:t>
+              </a:r>
+              <a:r>
+                <a:rPr lang="en-US" sz="1400" dirty="0"/>
+                <a:t> top, </a:t>
+              </a:r>
+              <a:r>
+                <a:rPr lang="en-US" sz="1400" dirty="0" err="1"/>
+                <a:t>phos</a:t>
+              </a:r>
+              <a:r>
+                <a:rPr lang="en-US" sz="1400" dirty="0"/>
+                <a:t> bot)</a:t>
+              </a:r>
+            </a:p>
+          </p:txBody>
+        </p:sp>
+      </p:grpSp>
       <p:pic>
         <p:nvPicPr>
-          <p:cNvPr id="1028" name="Picture 4">
-            <a:extLst>
-              <a:ext uri="{FF2B5EF4-FFF2-40B4-BE49-F238E27FC236}">
-                <a16:creationId xmlns:a16="http://schemas.microsoft.com/office/drawing/2014/main" id="{8DA841C7-4DF7-A4C0-5D1F-CD003DA97833}"/>
+          <p:cNvPr id="3088" name="Picture 16">
+            <a:extLst>
+              <a:ext uri="{FF2B5EF4-FFF2-40B4-BE49-F238E27FC236}">
+                <a16:creationId xmlns:a16="http://schemas.microsoft.com/office/drawing/2014/main" id="{B57C872F-2187-7C25-1718-DDA636321AFA}"/>
               </a:ext>
             </a:extLst>
           </p:cNvPr>
@@ -3431,7 +3901,7 @@
           <p:nvPr/>
         </p:nvPicPr>
         <p:blipFill>
-          <a:blip r:embed="rId2">
+          <a:blip r:embed="rId6">
             <a:extLst>
               <a:ext uri="{28A0092B-C50C-407E-A947-70E740481C1C}">
                 <a14:useLocalDpi xmlns:a14="http://schemas.microsoft.com/office/drawing/2010/main" val="0"/>
@@ -3445,8 +3915,8 @@
         </p:blipFill>
         <p:spPr bwMode="auto">
           <a:xfrm>
-            <a:off x="1611967" y="1789300"/>
-            <a:ext cx="4313704" cy="3149386"/>
+            <a:off x="0" y="2606403"/>
+            <a:ext cx="2971801" cy="742129"/>
           </a:xfrm>
           <a:prstGeom prst="rect">
             <a:avLst/>
@@ -3463,344 +3933,200 @@
           </a:extLst>
         </p:spPr>
       </p:pic>
-      <p:sp>
-        <p:nvSpPr>
-          <p:cNvPr id="2" name="Title 1">
-            <a:extLst>
-              <a:ext uri="{FF2B5EF4-FFF2-40B4-BE49-F238E27FC236}">
-                <a16:creationId xmlns:a16="http://schemas.microsoft.com/office/drawing/2014/main" id="{68B0E29D-7A55-5006-F3FD-A71941302411}"/>
-              </a:ext>
-            </a:extLst>
-          </p:cNvPr>
-          <p:cNvSpPr>
-            <a:spLocks noGrp="1"/>
-          </p:cNvSpPr>
-          <p:nvPr>
-            <p:ph type="title"/>
-          </p:nvPr>
-        </p:nvSpPr>
-        <p:spPr/>
-        <p:txBody>
-          <a:bodyPr>
-            <a:normAutofit/>
-          </a:bodyPr>
-          <a:lstStyle/>
-          <a:p>
-            <a:r>
-              <a:rPr lang="en-US" sz="3600" dirty="0"/>
-              <a:t>New lines on density profiles (each component)</a:t>
-            </a:r>
-          </a:p>
-        </p:txBody>
-      </p:sp>
-      <p:cxnSp>
-        <p:nvCxnSpPr>
-          <p:cNvPr id="6" name="Straight Arrow Connector 5">
-            <a:extLst>
-              <a:ext uri="{FF2B5EF4-FFF2-40B4-BE49-F238E27FC236}">
-                <a16:creationId xmlns:a16="http://schemas.microsoft.com/office/drawing/2014/main" id="{34F1AAD3-B1D8-4C97-007C-4986F49C6ECF}"/>
-              </a:ext>
-            </a:extLst>
-          </p:cNvPr>
-          <p:cNvCxnSpPr/>
+      <p:pic>
+        <p:nvPicPr>
+          <p:cNvPr id="3090" name="Picture 18">
+            <a:extLst>
+              <a:ext uri="{FF2B5EF4-FFF2-40B4-BE49-F238E27FC236}">
+                <a16:creationId xmlns:a16="http://schemas.microsoft.com/office/drawing/2014/main" id="{8BD19E92-B9F5-E56E-B845-31ED306CDEBC}"/>
+              </a:ext>
+            </a:extLst>
+          </p:cNvPr>
+          <p:cNvPicPr>
+            <a:picLocks noChangeAspect="1" noChangeArrowheads="1"/>
+          </p:cNvPicPr>
           <p:nvPr/>
-        </p:nvCxnSpPr>
-        <p:spPr>
-          <a:xfrm flipH="1">
-            <a:off x="2841811" y="3027817"/>
-            <a:ext cx="717177" cy="753035"/>
-          </a:xfrm>
-          <a:prstGeom prst="straightConnector1">
-            <a:avLst/>
-          </a:prstGeom>
-          <a:ln w="28575">
-            <a:tailEnd type="triangle"/>
-          </a:ln>
-        </p:spPr>
-        <p:style>
-          <a:lnRef idx="2">
-            <a:schemeClr val="accent1"/>
-          </a:lnRef>
-          <a:fillRef idx="0">
-            <a:schemeClr val="accent1"/>
-          </a:fillRef>
-          <a:effectRef idx="1">
-            <a:schemeClr val="accent1"/>
-          </a:effectRef>
-          <a:fontRef idx="minor">
-            <a:schemeClr val="tx1"/>
-          </a:fontRef>
-        </p:style>
-      </p:cxnSp>
-      <p:sp>
-        <p:nvSpPr>
-          <p:cNvPr id="7" name="TextBox 6">
-            <a:extLst>
-              <a:ext uri="{FF2B5EF4-FFF2-40B4-BE49-F238E27FC236}">
-                <a16:creationId xmlns:a16="http://schemas.microsoft.com/office/drawing/2014/main" id="{D36A93D8-E6C4-BCBE-B98A-D85E0D7553B0}"/>
-              </a:ext>
-            </a:extLst>
-          </p:cNvPr>
-          <p:cNvSpPr txBox="1"/>
-          <p:nvPr/>
-        </p:nvSpPr>
-        <p:spPr>
-          <a:xfrm>
-            <a:off x="2680447" y="2641073"/>
-            <a:ext cx="3182470" cy="369332"/>
+        </p:nvPicPr>
+        <p:blipFill>
+          <a:blip r:embed="rId7">
+            <a:extLst>
+              <a:ext uri="{28A0092B-C50C-407E-A947-70E740481C1C}">
+                <a14:useLocalDpi xmlns:a14="http://schemas.microsoft.com/office/drawing/2010/main" val="0"/>
+              </a:ext>
+            </a:extLst>
+          </a:blip>
+          <a:srcRect/>
+          <a:stretch>
+            <a:fillRect/>
+          </a:stretch>
+        </p:blipFill>
+        <p:spPr bwMode="auto">
+          <a:xfrm>
+            <a:off x="2996543" y="2605677"/>
+            <a:ext cx="2846090" cy="710737"/>
           </a:xfrm>
           <a:prstGeom prst="rect">
             <a:avLst/>
           </a:prstGeom>
           <a:noFill/>
-        </p:spPr>
-        <p:txBody>
-          <a:bodyPr wrap="square" rtlCol="0">
-            <a:spAutoFit/>
-          </a:bodyPr>
-          <a:lstStyle/>
-          <a:p>
-            <a:r>
-              <a:rPr lang="en-US" dirty="0"/>
-              <a:t>Overall (density of NFM + NFL)</a:t>
-            </a:r>
-          </a:p>
-        </p:txBody>
-      </p:sp>
-      <p:cxnSp>
-        <p:nvCxnSpPr>
-          <p:cNvPr id="8" name="Straight Arrow Connector 7">
-            <a:extLst>
-              <a:ext uri="{FF2B5EF4-FFF2-40B4-BE49-F238E27FC236}">
-                <a16:creationId xmlns:a16="http://schemas.microsoft.com/office/drawing/2014/main" id="{FE335DA9-42FD-1307-A73C-78AD44EB99BA}"/>
-              </a:ext>
-            </a:extLst>
-          </p:cNvPr>
-          <p:cNvCxnSpPr>
-            <a:cxnSpLocks/>
-          </p:cNvCxnSpPr>
+          <a:extLst>
+            <a:ext uri="{909E8E84-426E-40DD-AFC4-6F175D3DCCD1}">
+              <a14:hiddenFill xmlns:a14="http://schemas.microsoft.com/office/drawing/2010/main">
+                <a:solidFill>
+                  <a:srgbClr val="FFFFFF"/>
+                </a:solidFill>
+              </a14:hiddenFill>
+            </a:ext>
+          </a:extLst>
+        </p:spPr>
+      </p:pic>
+      <p:pic>
+        <p:nvPicPr>
+          <p:cNvPr id="3092" name="Picture 20">
+            <a:extLst>
+              <a:ext uri="{FF2B5EF4-FFF2-40B4-BE49-F238E27FC236}">
+                <a16:creationId xmlns:a16="http://schemas.microsoft.com/office/drawing/2014/main" id="{EBC28EC9-FB14-37EE-B426-7306376E51F4}"/>
+              </a:ext>
+            </a:extLst>
+          </p:cNvPr>
+          <p:cNvPicPr>
+            <a:picLocks noChangeAspect="1" noChangeArrowheads="1"/>
+          </p:cNvPicPr>
           <p:nvPr/>
-        </p:nvCxnSpPr>
-        <p:spPr>
-          <a:xfrm flipH="1">
-            <a:off x="5925671" y="2312671"/>
-            <a:ext cx="869576" cy="0"/>
-          </a:xfrm>
-          <a:prstGeom prst="straightConnector1">
-            <a:avLst/>
-          </a:prstGeom>
-          <a:ln w="28575">
-            <a:tailEnd type="triangle"/>
-          </a:ln>
-        </p:spPr>
-        <p:style>
-          <a:lnRef idx="2">
-            <a:schemeClr val="accent1"/>
-          </a:lnRef>
-          <a:fillRef idx="0">
-            <a:schemeClr val="accent1"/>
-          </a:fillRef>
-          <a:effectRef idx="1">
-            <a:schemeClr val="accent1"/>
-          </a:effectRef>
-          <a:fontRef idx="minor">
-            <a:schemeClr val="tx1"/>
-          </a:fontRef>
-        </p:style>
-      </p:cxnSp>
-      <p:sp>
-        <p:nvSpPr>
-          <p:cNvPr id="10" name="TextBox 9">
-            <a:extLst>
-              <a:ext uri="{FF2B5EF4-FFF2-40B4-BE49-F238E27FC236}">
-                <a16:creationId xmlns:a16="http://schemas.microsoft.com/office/drawing/2014/main" id="{D48B7048-6194-0404-4B84-D788AEAF4A44}"/>
-              </a:ext>
-            </a:extLst>
-          </p:cNvPr>
-          <p:cNvSpPr txBox="1"/>
-          <p:nvPr/>
-        </p:nvSpPr>
-        <p:spPr>
-          <a:xfrm>
-            <a:off x="6931397" y="1995613"/>
-            <a:ext cx="4086226" cy="646331"/>
+        </p:nvPicPr>
+        <p:blipFill>
+          <a:blip r:embed="rId8">
+            <a:extLst>
+              <a:ext uri="{28A0092B-C50C-407E-A947-70E740481C1C}">
+                <a14:useLocalDpi xmlns:a14="http://schemas.microsoft.com/office/drawing/2010/main" val="0"/>
+              </a:ext>
+            </a:extLst>
+          </a:blip>
+          <a:srcRect/>
+          <a:stretch>
+            <a:fillRect/>
+          </a:stretch>
+        </p:blipFill>
+        <p:spPr bwMode="auto">
+          <a:xfrm>
+            <a:off x="5835825" y="2592495"/>
+            <a:ext cx="3207379" cy="722559"/>
           </a:xfrm>
           <a:prstGeom prst="rect">
             <a:avLst/>
           </a:prstGeom>
           <a:noFill/>
-        </p:spPr>
-        <p:txBody>
-          <a:bodyPr wrap="square" rtlCol="0">
-            <a:spAutoFit/>
-          </a:bodyPr>
-          <a:lstStyle/>
-          <a:p>
-            <a:r>
-              <a:rPr lang="en-US" dirty="0"/>
-              <a:t>Grafting density of each subunit (here, M = 0.015 c/nm2 &amp; L = 0.015 c/nm2)</a:t>
-            </a:r>
-          </a:p>
-        </p:txBody>
-      </p:sp>
-      <p:cxnSp>
-        <p:nvCxnSpPr>
-          <p:cNvPr id="11" name="Straight Arrow Connector 10">
-            <a:extLst>
-              <a:ext uri="{FF2B5EF4-FFF2-40B4-BE49-F238E27FC236}">
-                <a16:creationId xmlns:a16="http://schemas.microsoft.com/office/drawing/2014/main" id="{2D59E239-1005-9AED-D742-4AC99E420237}"/>
-              </a:ext>
-            </a:extLst>
-          </p:cNvPr>
-          <p:cNvCxnSpPr>
-            <a:cxnSpLocks/>
-          </p:cNvCxnSpPr>
+          <a:extLst>
+            <a:ext uri="{909E8E84-426E-40DD-AFC4-6F175D3DCCD1}">
+              <a14:hiddenFill xmlns:a14="http://schemas.microsoft.com/office/drawing/2010/main">
+                <a:solidFill>
+                  <a:srgbClr val="FFFFFF"/>
+                </a:solidFill>
+              </a14:hiddenFill>
+            </a:ext>
+          </a:extLst>
+        </p:spPr>
+      </p:pic>
+      <p:pic>
+        <p:nvPicPr>
+          <p:cNvPr id="3094" name="Picture 22">
+            <a:extLst>
+              <a:ext uri="{FF2B5EF4-FFF2-40B4-BE49-F238E27FC236}">
+                <a16:creationId xmlns:a16="http://schemas.microsoft.com/office/drawing/2014/main" id="{CE943F43-31C5-95DE-A3A1-5F7170168B2C}"/>
+              </a:ext>
+            </a:extLst>
+          </p:cNvPr>
+          <p:cNvPicPr>
+            <a:picLocks noChangeAspect="1" noChangeArrowheads="1"/>
+          </p:cNvPicPr>
           <p:nvPr/>
-        </p:nvCxnSpPr>
-        <p:spPr>
-          <a:xfrm flipV="1">
-            <a:off x="1524000" y="3825675"/>
-            <a:ext cx="986118" cy="241353"/>
-          </a:xfrm>
-          <a:prstGeom prst="straightConnector1">
-            <a:avLst/>
-          </a:prstGeom>
-          <a:ln w="28575">
-            <a:tailEnd type="triangle"/>
-          </a:ln>
-        </p:spPr>
-        <p:style>
-          <a:lnRef idx="2">
-            <a:schemeClr val="accent1"/>
-          </a:lnRef>
-          <a:fillRef idx="0">
-            <a:schemeClr val="accent1"/>
-          </a:fillRef>
-          <a:effectRef idx="1">
-            <a:schemeClr val="accent1"/>
-          </a:effectRef>
-          <a:fontRef idx="minor">
-            <a:schemeClr val="tx1"/>
-          </a:fontRef>
-        </p:style>
-      </p:cxnSp>
-      <p:sp>
-        <p:nvSpPr>
-          <p:cNvPr id="15" name="TextBox 14">
-            <a:extLst>
-              <a:ext uri="{FF2B5EF4-FFF2-40B4-BE49-F238E27FC236}">
-                <a16:creationId xmlns:a16="http://schemas.microsoft.com/office/drawing/2014/main" id="{17D4CFA9-4DDF-0504-BC50-AF35A686317A}"/>
-              </a:ext>
-            </a:extLst>
-          </p:cNvPr>
-          <p:cNvSpPr txBox="1"/>
-          <p:nvPr/>
-        </p:nvSpPr>
-        <p:spPr>
-          <a:xfrm>
-            <a:off x="304799" y="4045981"/>
-            <a:ext cx="1936377" cy="369332"/>
+        </p:nvPicPr>
+        <p:blipFill>
+          <a:blip r:embed="rId9">
+            <a:extLst>
+              <a:ext uri="{28A0092B-C50C-407E-A947-70E740481C1C}">
+                <a14:useLocalDpi xmlns:a14="http://schemas.microsoft.com/office/drawing/2010/main" val="0"/>
+              </a:ext>
+            </a:extLst>
+          </a:blip>
+          <a:srcRect/>
+          <a:stretch>
+            <a:fillRect/>
+          </a:stretch>
+        </p:blipFill>
+        <p:spPr bwMode="auto">
+          <a:xfrm>
+            <a:off x="8955922" y="2592819"/>
+            <a:ext cx="3169715" cy="724130"/>
           </a:xfrm>
           <a:prstGeom prst="rect">
             <a:avLst/>
           </a:prstGeom>
           <a:noFill/>
-        </p:spPr>
-        <p:txBody>
-          <a:bodyPr wrap="square">
-            <a:spAutoFit/>
-          </a:bodyPr>
-          <a:lstStyle/>
-          <a:p>
-            <a:r>
-              <a:rPr lang="en-US" dirty="0"/>
-              <a:t>Density of NFL</a:t>
-            </a:r>
-          </a:p>
-        </p:txBody>
-      </p:sp>
-      <p:sp>
-        <p:nvSpPr>
-          <p:cNvPr id="16" name="TextBox 15">
-            <a:extLst>
-              <a:ext uri="{FF2B5EF4-FFF2-40B4-BE49-F238E27FC236}">
-                <a16:creationId xmlns:a16="http://schemas.microsoft.com/office/drawing/2014/main" id="{88631C30-EF3E-F05B-F8D4-66B1364EF6C5}"/>
-              </a:ext>
-            </a:extLst>
-          </p:cNvPr>
-          <p:cNvSpPr txBox="1"/>
+          <a:extLst>
+            <a:ext uri="{909E8E84-426E-40DD-AFC4-6F175D3DCCD1}">
+              <a14:hiddenFill xmlns:a14="http://schemas.microsoft.com/office/drawing/2010/main">
+                <a:solidFill>
+                  <a:srgbClr val="FFFFFF"/>
+                </a:solidFill>
+              </a14:hiddenFill>
+            </a:ext>
+          </a:extLst>
+        </p:spPr>
+      </p:pic>
+      <p:pic>
+        <p:nvPicPr>
+          <p:cNvPr id="3096" name="Picture 24">
+            <a:extLst>
+              <a:ext uri="{FF2B5EF4-FFF2-40B4-BE49-F238E27FC236}">
+                <a16:creationId xmlns:a16="http://schemas.microsoft.com/office/drawing/2014/main" id="{E486EC35-8E70-0898-A4CA-5D4CB451DFCF}"/>
+              </a:ext>
+            </a:extLst>
+          </p:cNvPr>
+          <p:cNvPicPr>
+            <a:picLocks noChangeAspect="1" noChangeArrowheads="1"/>
+          </p:cNvPicPr>
           <p:nvPr/>
-        </p:nvSpPr>
-        <p:spPr>
-          <a:xfrm>
-            <a:off x="2335305" y="4906074"/>
-            <a:ext cx="1936377" cy="369332"/>
+        </p:nvPicPr>
+        <p:blipFill>
+          <a:blip r:embed="rId10">
+            <a:extLst>
+              <a:ext uri="{28A0092B-C50C-407E-A947-70E740481C1C}">
+                <a14:useLocalDpi xmlns:a14="http://schemas.microsoft.com/office/drawing/2010/main" val="0"/>
+              </a:ext>
+            </a:extLst>
+          </a:blip>
+          <a:srcRect/>
+          <a:stretch>
+            <a:fillRect/>
+          </a:stretch>
+        </p:blipFill>
+        <p:spPr bwMode="auto">
+          <a:xfrm>
+            <a:off x="6096000" y="4304435"/>
+            <a:ext cx="3397944" cy="2488140"/>
           </a:xfrm>
           <a:prstGeom prst="rect">
             <a:avLst/>
           </a:prstGeom>
           <a:noFill/>
-        </p:spPr>
-        <p:txBody>
-          <a:bodyPr wrap="square">
-            <a:spAutoFit/>
-          </a:bodyPr>
-          <a:lstStyle/>
-          <a:p>
-            <a:r>
-              <a:rPr lang="en-US" dirty="0"/>
-              <a:t>Density of NFM</a:t>
-            </a:r>
-          </a:p>
-        </p:txBody>
-      </p:sp>
-      <p:cxnSp>
-        <p:nvCxnSpPr>
-          <p:cNvPr id="17" name="Straight Arrow Connector 16">
-            <a:extLst>
-              <a:ext uri="{FF2B5EF4-FFF2-40B4-BE49-F238E27FC236}">
-                <a16:creationId xmlns:a16="http://schemas.microsoft.com/office/drawing/2014/main" id="{4818D4C9-FC11-C2FD-7348-C849F7318DE7}"/>
-              </a:ext>
-            </a:extLst>
-          </p:cNvPr>
-          <p:cNvCxnSpPr>
-            <a:cxnSpLocks/>
-          </p:cNvCxnSpPr>
-          <p:nvPr/>
-        </p:nvCxnSpPr>
-        <p:spPr>
-          <a:xfrm flipV="1">
-            <a:off x="3015782" y="4172696"/>
-            <a:ext cx="0" cy="665991"/>
-          </a:xfrm>
-          <a:prstGeom prst="straightConnector1">
-            <a:avLst/>
-          </a:prstGeom>
-          <a:ln w="28575">
-            <a:tailEnd type="triangle"/>
-          </a:ln>
-        </p:spPr>
-        <p:style>
-          <a:lnRef idx="2">
-            <a:schemeClr val="accent1"/>
-          </a:lnRef>
-          <a:fillRef idx="0">
-            <a:schemeClr val="accent1"/>
-          </a:fillRef>
-          <a:effectRef idx="1">
-            <a:schemeClr val="accent1"/>
-          </a:effectRef>
-          <a:fontRef idx="minor">
-            <a:schemeClr val="tx1"/>
-          </a:fontRef>
-        </p:style>
-      </p:cxnSp>
-      <p:sp>
-        <p:nvSpPr>
-          <p:cNvPr id="21" name="TextBox 20">
-            <a:extLst>
-              <a:ext uri="{FF2B5EF4-FFF2-40B4-BE49-F238E27FC236}">
-                <a16:creationId xmlns:a16="http://schemas.microsoft.com/office/drawing/2014/main" id="{6B2FDF8C-B2FC-C9ED-1B42-CE0B78A98731}"/>
+          <a:extLst>
+            <a:ext uri="{909E8E84-426E-40DD-AFC4-6F175D3DCCD1}">
+              <a14:hiddenFill xmlns:a14="http://schemas.microsoft.com/office/drawing/2010/main">
+                <a:solidFill>
+                  <a:srgbClr val="FFFFFF"/>
+                </a:solidFill>
+              </a14:hiddenFill>
+            </a:ext>
+          </a:extLst>
+        </p:spPr>
+      </p:pic>
+      <p:sp>
+        <p:nvSpPr>
+          <p:cNvPr id="17" name="TextBox 16">
+            <a:extLst>
+              <a:ext uri="{FF2B5EF4-FFF2-40B4-BE49-F238E27FC236}">
+                <a16:creationId xmlns:a16="http://schemas.microsoft.com/office/drawing/2014/main" id="{724B4CFE-F7C7-4C82-66CD-68C673218F64}"/>
               </a:ext>
             </a:extLst>
           </p:cNvPr>
@@ -3809,8 +4135,8 @@
         </p:nvSpPr>
         <p:spPr>
           <a:xfrm>
-            <a:off x="6545077" y="3069188"/>
-            <a:ext cx="5262282" cy="2862322"/>
+            <a:off x="3171842" y="3833644"/>
+            <a:ext cx="6006353" cy="338554"/>
           </a:xfrm>
           <a:prstGeom prst="rect">
             <a:avLst/>
@@ -3823,45 +4149,101 @@
           </a:bodyPr>
           <a:lstStyle/>
           <a:p>
-            <a:pPr marL="285750" indent="-285750">
-              <a:buFont typeface="Arial" panose="020B0604020202020204" pitchFamily="34" charset="0"/>
-              <a:buChar char="•"/>
-            </a:pPr>
-            <a:r>
-              <a:rPr lang="en-US" dirty="0"/>
-              <a:t>Dark line = Overall</a:t>
-            </a:r>
-          </a:p>
-          <a:p>
-            <a:pPr marL="285750" indent="-285750">
-              <a:buFont typeface="Arial" panose="020B0604020202020204" pitchFamily="34" charset="0"/>
-              <a:buChar char="•"/>
-            </a:pPr>
-            <a:r>
-              <a:rPr lang="en-US" dirty="0"/>
-              <a:t>Light lines = Components</a:t>
-            </a:r>
-          </a:p>
-          <a:p>
-            <a:pPr marL="285750" indent="-285750">
-              <a:buFont typeface="Arial" panose="020B0604020202020204" pitchFamily="34" charset="0"/>
-              <a:buChar char="•"/>
-            </a:pPr>
-            <a:endParaRPr lang="en-US" dirty="0"/>
-          </a:p>
-          <a:p>
-            <a:r>
-              <a:rPr lang="en-US" dirty="0"/>
-              <a:t>Note: I can make these more clear in future plots depending on how many distributions are included in each plot</a:t>
-            </a:r>
-          </a:p>
-          <a:p>
-            <a:endParaRPr lang="en-US" dirty="0"/>
-          </a:p>
-          <a:p>
-            <a:r>
-              <a:rPr lang="en-US" dirty="0"/>
-              <a:t>NFH has far more total volume, so the other components’ density distributions in the following plots may be hardly visible</a:t>
+            <a:pPr algn="ctr"/>
+            <a:r>
+              <a:rPr lang="en-US" sz="1600" i="1" dirty="0"/>
+              <a:t>Pure NFM brushes at grafting density 0.0278 c/nm2, 150 mM</a:t>
+            </a:r>
+          </a:p>
+        </p:txBody>
+      </p:sp>
+      <p:pic>
+        <p:nvPicPr>
+          <p:cNvPr id="3098" name="Picture 26">
+            <a:extLst>
+              <a:ext uri="{FF2B5EF4-FFF2-40B4-BE49-F238E27FC236}">
+                <a16:creationId xmlns:a16="http://schemas.microsoft.com/office/drawing/2014/main" id="{ED120BD9-0827-7F47-9934-98777AB280CB}"/>
+              </a:ext>
+            </a:extLst>
+          </p:cNvPr>
+          <p:cNvPicPr>
+            <a:picLocks noChangeAspect="1" noChangeArrowheads="1"/>
+          </p:cNvPicPr>
+          <p:nvPr/>
+        </p:nvPicPr>
+        <p:blipFill>
+          <a:blip r:embed="rId11">
+            <a:extLst>
+              <a:ext uri="{28A0092B-C50C-407E-A947-70E740481C1C}">
+                <a14:useLocalDpi xmlns:a14="http://schemas.microsoft.com/office/drawing/2010/main" val="0"/>
+              </a:ext>
+            </a:extLst>
+          </a:blip>
+          <a:srcRect/>
+          <a:stretch>
+            <a:fillRect/>
+          </a:stretch>
+        </p:blipFill>
+        <p:spPr bwMode="auto">
+          <a:xfrm>
+            <a:off x="2549273" y="4283111"/>
+            <a:ext cx="3397944" cy="2488139"/>
+          </a:xfrm>
+          <a:prstGeom prst="rect">
+            <a:avLst/>
+          </a:prstGeom>
+          <a:noFill/>
+          <a:extLst>
+            <a:ext uri="{909E8E84-426E-40DD-AFC4-6F175D3DCCD1}">
+              <a14:hiddenFill xmlns:a14="http://schemas.microsoft.com/office/drawing/2010/main">
+                <a:solidFill>
+                  <a:srgbClr val="FFFFFF"/>
+                </a:solidFill>
+              </a14:hiddenFill>
+            </a:ext>
+          </a:extLst>
+        </p:spPr>
+      </p:pic>
+      <p:sp>
+        <p:nvSpPr>
+          <p:cNvPr id="18" name="TextBox 17">
+            <a:extLst>
+              <a:ext uri="{FF2B5EF4-FFF2-40B4-BE49-F238E27FC236}">
+                <a16:creationId xmlns:a16="http://schemas.microsoft.com/office/drawing/2014/main" id="{D71887BB-F06A-0307-C34D-FE9BC247A7A9}"/>
+              </a:ext>
+            </a:extLst>
+          </p:cNvPr>
+          <p:cNvSpPr txBox="1"/>
+          <p:nvPr/>
+        </p:nvSpPr>
+        <p:spPr>
+          <a:xfrm>
+            <a:off x="371475" y="1369762"/>
+            <a:ext cx="11322422" cy="307777"/>
+          </a:xfrm>
+          <a:prstGeom prst="rect">
+            <a:avLst/>
+          </a:prstGeom>
+          <a:noFill/>
+        </p:spPr>
+        <p:txBody>
+          <a:bodyPr wrap="square" rtlCol="0">
+            <a:spAutoFit/>
+          </a:bodyPr>
+          <a:lstStyle/>
+          <a:p>
+            <a:pPr algn="ctr"/>
+            <a:r>
+              <a:rPr lang="en-US" sz="1400" i="1" dirty="0"/>
+              <a:t>Charge densities chosen based on best fit to </a:t>
+            </a:r>
+            <a:r>
+              <a:rPr lang="en-US" sz="1400" i="1" dirty="0" err="1"/>
+              <a:t>cusum</a:t>
+            </a:r>
+            <a:r>
+              <a:rPr lang="en-US" sz="1400" i="1" dirty="0"/>
+              <a:t>; only qualitative differences in distribution, no effect to comparison between species</a:t>
             </a:r>
           </a:p>
         </p:txBody>
@@ -3869,7 +4251,7 @@
     </p:spTree>
     <p:extLst>
       <p:ext uri="{BB962C8B-B14F-4D97-AF65-F5344CB8AC3E}">
-        <p14:creationId xmlns:p14="http://schemas.microsoft.com/office/powerpoint/2010/main" val="2449788085"/>
+        <p14:creationId xmlns:p14="http://schemas.microsoft.com/office/powerpoint/2010/main" val="2473761057"/>
       </p:ext>
     </p:extLst>
   </p:cSld>
@@ -3898,10 +4280,10 @@
       </p:grpSpPr>
       <p:pic>
         <p:nvPicPr>
-          <p:cNvPr id="4114" name="Picture 18">
-            <a:extLst>
-              <a:ext uri="{FF2B5EF4-FFF2-40B4-BE49-F238E27FC236}">
-                <a16:creationId xmlns:a16="http://schemas.microsoft.com/office/drawing/2014/main" id="{D92A5E9F-9133-CEA9-6D6D-820EE44621AD}"/>
+          <p:cNvPr id="1026" name="Picture 2">
+            <a:extLst>
+              <a:ext uri="{FF2B5EF4-FFF2-40B4-BE49-F238E27FC236}">
+                <a16:creationId xmlns:a16="http://schemas.microsoft.com/office/drawing/2014/main" id="{3CAEDABD-2AE3-0FBD-867C-7DF8FC7466E4}"/>
               </a:ext>
             </a:extLst>
           </p:cNvPr>
@@ -3925,8 +4307,8 @@
         </p:blipFill>
         <p:spPr bwMode="auto">
           <a:xfrm>
-            <a:off x="5946126" y="675212"/>
-            <a:ext cx="2658255" cy="2253060"/>
+            <a:off x="9582497" y="1418573"/>
+            <a:ext cx="2540897" cy="1868862"/>
           </a:xfrm>
           <a:prstGeom prst="rect">
             <a:avLst/>
@@ -3943,12 +4325,48 @@
           </a:extLst>
         </p:spPr>
       </p:pic>
+      <p:sp>
+        <p:nvSpPr>
+          <p:cNvPr id="2" name="TextBox 1">
+            <a:extLst>
+              <a:ext uri="{FF2B5EF4-FFF2-40B4-BE49-F238E27FC236}">
+                <a16:creationId xmlns:a16="http://schemas.microsoft.com/office/drawing/2014/main" id="{5F72C773-F08A-8168-65FF-69BC16CD11CC}"/>
+              </a:ext>
+            </a:extLst>
+          </p:cNvPr>
+          <p:cNvSpPr txBox="1"/>
+          <p:nvPr/>
+        </p:nvSpPr>
+        <p:spPr>
+          <a:xfrm>
+            <a:off x="9987850" y="1124090"/>
+            <a:ext cx="1730189" cy="369332"/>
+          </a:xfrm>
+          <a:prstGeom prst="rect">
+            <a:avLst/>
+          </a:prstGeom>
+          <a:noFill/>
+        </p:spPr>
+        <p:txBody>
+          <a:bodyPr wrap="square" rtlCol="0">
+            <a:spAutoFit/>
+          </a:bodyPr>
+          <a:lstStyle/>
+          <a:p>
+            <a:pPr algn="ctr"/>
+            <a:r>
+              <a:rPr lang="en-US" dirty="0"/>
+              <a:t>M rat (32:4[9])</a:t>
+            </a:r>
+          </a:p>
+        </p:txBody>
+      </p:sp>
       <p:pic>
         <p:nvPicPr>
-          <p:cNvPr id="4112" name="Picture 16">
-            <a:extLst>
-              <a:ext uri="{FF2B5EF4-FFF2-40B4-BE49-F238E27FC236}">
-                <a16:creationId xmlns:a16="http://schemas.microsoft.com/office/drawing/2014/main" id="{BE0FA971-16E6-E485-0409-CD5244B3A6F7}"/>
+          <p:cNvPr id="1028" name="Picture 4">
+            <a:extLst>
+              <a:ext uri="{FF2B5EF4-FFF2-40B4-BE49-F238E27FC236}">
+                <a16:creationId xmlns:a16="http://schemas.microsoft.com/office/drawing/2014/main" id="{A6417959-6CF4-E791-074C-036D3C6A78EB}"/>
               </a:ext>
             </a:extLst>
           </p:cNvPr>
@@ -3972,8 +4390,8 @@
         </p:blipFill>
         <p:spPr bwMode="auto">
           <a:xfrm>
-            <a:off x="3026183" y="659583"/>
-            <a:ext cx="2658254" cy="2253060"/>
+            <a:off x="54319" y="487199"/>
+            <a:ext cx="2540897" cy="1868862"/>
           </a:xfrm>
           <a:prstGeom prst="rect">
             <a:avLst/>
@@ -3990,12 +4408,48 @@
           </a:extLst>
         </p:spPr>
       </p:pic>
+      <p:sp>
+        <p:nvSpPr>
+          <p:cNvPr id="3" name="TextBox 2">
+            <a:extLst>
+              <a:ext uri="{FF2B5EF4-FFF2-40B4-BE49-F238E27FC236}">
+                <a16:creationId xmlns:a16="http://schemas.microsoft.com/office/drawing/2014/main" id="{03A4E80A-C743-A73B-B928-641DC9E099F5}"/>
+              </a:ext>
+            </a:extLst>
+          </p:cNvPr>
+          <p:cNvSpPr txBox="1"/>
+          <p:nvPr/>
+        </p:nvSpPr>
+        <p:spPr>
+          <a:xfrm>
+            <a:off x="-76319" y="169578"/>
+            <a:ext cx="2801800" cy="369332"/>
+          </a:xfrm>
+          <a:prstGeom prst="rect">
+            <a:avLst/>
+          </a:prstGeom>
+          <a:noFill/>
+        </p:spPr>
+        <p:txBody>
+          <a:bodyPr wrap="square" rtlCol="0">
+            <a:spAutoFit/>
+          </a:bodyPr>
+          <a:lstStyle/>
+          <a:p>
+            <a:pPr algn="ctr"/>
+            <a:r>
+              <a:rPr lang="en-US" b="1" dirty="0"/>
+              <a:t>M mouse (32:4[10])</a:t>
+            </a:r>
+          </a:p>
+        </p:txBody>
+      </p:sp>
       <p:pic>
         <p:nvPicPr>
-          <p:cNvPr id="4110" name="Picture 14">
-            <a:extLst>
-              <a:ext uri="{FF2B5EF4-FFF2-40B4-BE49-F238E27FC236}">
-                <a16:creationId xmlns:a16="http://schemas.microsoft.com/office/drawing/2014/main" id="{1D727A2A-A366-D358-B7E7-90488C1506CC}"/>
+          <p:cNvPr id="1030" name="Picture 6">
+            <a:extLst>
+              <a:ext uri="{FF2B5EF4-FFF2-40B4-BE49-F238E27FC236}">
+                <a16:creationId xmlns:a16="http://schemas.microsoft.com/office/drawing/2014/main" id="{8FE8F5B7-E0B9-CDE8-636F-956289A0C5C8}"/>
               </a:ext>
             </a:extLst>
           </p:cNvPr>
@@ -4019,8 +4473,8 @@
         </p:blipFill>
         <p:spPr bwMode="auto">
           <a:xfrm>
-            <a:off x="184013" y="659582"/>
-            <a:ext cx="2658256" cy="2253061"/>
+            <a:off x="54319" y="2589700"/>
+            <a:ext cx="2540897" cy="1868862"/>
           </a:xfrm>
           <a:prstGeom prst="rect">
             <a:avLst/>
@@ -4039,10 +4493,10 @@
       </p:pic>
       <p:sp>
         <p:nvSpPr>
-          <p:cNvPr id="3" name="TextBox 2">
-            <a:extLst>
-              <a:ext uri="{FF2B5EF4-FFF2-40B4-BE49-F238E27FC236}">
-                <a16:creationId xmlns:a16="http://schemas.microsoft.com/office/drawing/2014/main" id="{CA91A3A6-34A2-6ACB-0208-C9B5E84420F5}"/>
+          <p:cNvPr id="4" name="TextBox 3">
+            <a:extLst>
+              <a:ext uri="{FF2B5EF4-FFF2-40B4-BE49-F238E27FC236}">
+                <a16:creationId xmlns:a16="http://schemas.microsoft.com/office/drawing/2014/main" id="{4783EFDD-2444-7AB1-63DE-01852C94EDA2}"/>
               </a:ext>
             </a:extLst>
           </p:cNvPr>
@@ -4051,8 +4505,8 @@
         </p:nvSpPr>
         <p:spPr>
           <a:xfrm>
-            <a:off x="1494366" y="128976"/>
-            <a:ext cx="9203267" cy="369332"/>
+            <a:off x="185429" y="2361207"/>
+            <a:ext cx="2278304" cy="369332"/>
           </a:xfrm>
           <a:prstGeom prst="rect">
             <a:avLst/>
@@ -4068,33 +4522,17 @@
             <a:pPr algn="ctr"/>
             <a:r>
               <a:rPr lang="en-US" dirty="0"/>
-              <a:t>Binary NFH:NFL; </a:t>
-            </a:r>
-            <a:r>
-              <a:rPr lang="en-US" dirty="0" err="1"/>
-              <a:t>sigma_total</a:t>
-            </a:r>
-            <a:r>
-              <a:rPr lang="en-US" dirty="0"/>
-              <a:t> = 0.03 c/nm2; </a:t>
-            </a:r>
-            <a:r>
-              <a:rPr lang="en-US" dirty="0" err="1"/>
-              <a:t>bv</a:t>
-            </a:r>
-            <a:r>
-              <a:rPr lang="en-US" dirty="0"/>
-              <a:t> = (0.6, 0.05)</a:t>
+              <a:t>M human (32:4[9])</a:t>
             </a:r>
           </a:p>
         </p:txBody>
       </p:sp>
       <p:pic>
         <p:nvPicPr>
-          <p:cNvPr id="4098" name="Picture 2">
-            <a:extLst>
-              <a:ext uri="{FF2B5EF4-FFF2-40B4-BE49-F238E27FC236}">
-                <a16:creationId xmlns:a16="http://schemas.microsoft.com/office/drawing/2014/main" id="{A567C91F-68E9-1A2D-097A-AEB3B645DCBD}"/>
+          <p:cNvPr id="1032" name="Picture 8">
+            <a:extLst>
+              <a:ext uri="{FF2B5EF4-FFF2-40B4-BE49-F238E27FC236}">
+                <a16:creationId xmlns:a16="http://schemas.microsoft.com/office/drawing/2014/main" id="{5F83E798-3922-BB87-E29F-D70F6AA3A03B}"/>
               </a:ext>
             </a:extLst>
           </p:cNvPr>
@@ -4118,8 +4556,8 @@
         </p:blipFill>
         <p:spPr bwMode="auto">
           <a:xfrm>
-            <a:off x="8823765" y="659418"/>
-            <a:ext cx="2658254" cy="2253060"/>
+            <a:off x="22264" y="4748932"/>
+            <a:ext cx="2540898" cy="1868863"/>
           </a:xfrm>
           <a:prstGeom prst="rect">
             <a:avLst/>
@@ -4136,12 +4574,48 @@
           </a:extLst>
         </p:spPr>
       </p:pic>
+      <p:sp>
+        <p:nvSpPr>
+          <p:cNvPr id="5" name="TextBox 4">
+            <a:extLst>
+              <a:ext uri="{FF2B5EF4-FFF2-40B4-BE49-F238E27FC236}">
+                <a16:creationId xmlns:a16="http://schemas.microsoft.com/office/drawing/2014/main" id="{D7506EC1-64AE-61F9-5433-5F37AD7A797C}"/>
+              </a:ext>
+            </a:extLst>
+          </p:cNvPr>
+          <p:cNvSpPr txBox="1"/>
+          <p:nvPr/>
+        </p:nvSpPr>
+        <p:spPr>
+          <a:xfrm>
+            <a:off x="306566" y="4499052"/>
+            <a:ext cx="1980216" cy="369332"/>
+          </a:xfrm>
+          <a:prstGeom prst="rect">
+            <a:avLst/>
+          </a:prstGeom>
+          <a:noFill/>
+        </p:spPr>
+        <p:txBody>
+          <a:bodyPr wrap="square" rtlCol="0">
+            <a:spAutoFit/>
+          </a:bodyPr>
+          <a:lstStyle/>
+          <a:p>
+            <a:pPr algn="ctr"/>
+            <a:r>
+              <a:rPr lang="en-US" dirty="0"/>
+              <a:t>M bovine (32:4[8])</a:t>
+            </a:r>
+          </a:p>
+        </p:txBody>
+      </p:sp>
       <p:pic>
         <p:nvPicPr>
-          <p:cNvPr id="1032" name="Picture 8">
-            <a:extLst>
-              <a:ext uri="{FF2B5EF4-FFF2-40B4-BE49-F238E27FC236}">
-                <a16:creationId xmlns:a16="http://schemas.microsoft.com/office/drawing/2014/main" id="{43054E07-BBA3-EAE4-B0DD-47981F014166}"/>
+          <p:cNvPr id="1034" name="Picture 10">
+            <a:extLst>
+              <a:ext uri="{FF2B5EF4-FFF2-40B4-BE49-F238E27FC236}">
+                <a16:creationId xmlns:a16="http://schemas.microsoft.com/office/drawing/2014/main" id="{C7EB8133-5C21-A526-5A2D-FA54A55FEDE5}"/>
               </a:ext>
             </a:extLst>
           </p:cNvPr>
@@ -4165,8 +4639,8 @@
         </p:blipFill>
         <p:spPr bwMode="auto">
           <a:xfrm>
-            <a:off x="8789303" y="4664425"/>
-            <a:ext cx="2772204" cy="2029942"/>
+            <a:off x="2214510" y="4796256"/>
+            <a:ext cx="2540899" cy="1868863"/>
           </a:xfrm>
           <a:prstGeom prst="rect">
             <a:avLst/>
@@ -4183,12 +4657,48 @@
           </a:extLst>
         </p:spPr>
       </p:pic>
+      <p:sp>
+        <p:nvSpPr>
+          <p:cNvPr id="6" name="TextBox 5">
+            <a:extLst>
+              <a:ext uri="{FF2B5EF4-FFF2-40B4-BE49-F238E27FC236}">
+                <a16:creationId xmlns:a16="http://schemas.microsoft.com/office/drawing/2014/main" id="{618FAD7F-9F7D-2BD4-9D71-389F456D4DE0}"/>
+              </a:ext>
+            </a:extLst>
+          </p:cNvPr>
+          <p:cNvSpPr txBox="1"/>
+          <p:nvPr/>
+        </p:nvSpPr>
+        <p:spPr>
+          <a:xfrm>
+            <a:off x="2410351" y="4520002"/>
+            <a:ext cx="2202368" cy="369332"/>
+          </a:xfrm>
+          <a:prstGeom prst="rect">
+            <a:avLst/>
+          </a:prstGeom>
+          <a:noFill/>
+        </p:spPr>
+        <p:txBody>
+          <a:bodyPr wrap="square" rtlCol="0">
+            <a:spAutoFit/>
+          </a:bodyPr>
+          <a:lstStyle/>
+          <a:p>
+            <a:pPr algn="ctr"/>
+            <a:r>
+              <a:rPr lang="en-US" b="1" dirty="0"/>
+              <a:t>M bovine (34:4[10])</a:t>
+            </a:r>
+          </a:p>
+        </p:txBody>
+      </p:sp>
       <p:pic>
         <p:nvPicPr>
-          <p:cNvPr id="1038" name="Picture 14">
-            <a:extLst>
-              <a:ext uri="{FF2B5EF4-FFF2-40B4-BE49-F238E27FC236}">
-                <a16:creationId xmlns:a16="http://schemas.microsoft.com/office/drawing/2014/main" id="{680B5120-4C0A-2DF1-1EAC-BBFC9F78461B}"/>
+          <p:cNvPr id="1040" name="Picture 16">
+            <a:extLst>
+              <a:ext uri="{FF2B5EF4-FFF2-40B4-BE49-F238E27FC236}">
+                <a16:creationId xmlns:a16="http://schemas.microsoft.com/office/drawing/2014/main" id="{88F61887-1F87-BE0D-65FE-4BE28C222E9E}"/>
               </a:ext>
             </a:extLst>
           </p:cNvPr>
@@ -4212,8 +4722,8 @@
         </p:blipFill>
         <p:spPr bwMode="auto">
           <a:xfrm>
-            <a:off x="5915584" y="4699082"/>
-            <a:ext cx="2772204" cy="2029942"/>
+            <a:off x="2214510" y="2610649"/>
+            <a:ext cx="2540899" cy="1868863"/>
           </a:xfrm>
           <a:prstGeom prst="rect">
             <a:avLst/>
@@ -4230,12 +4740,48 @@
           </a:extLst>
         </p:spPr>
       </p:pic>
+      <p:sp>
+        <p:nvSpPr>
+          <p:cNvPr id="9" name="TextBox 8">
+            <a:extLst>
+              <a:ext uri="{FF2B5EF4-FFF2-40B4-BE49-F238E27FC236}">
+                <a16:creationId xmlns:a16="http://schemas.microsoft.com/office/drawing/2014/main" id="{424BAB19-EDC2-BC9C-FF25-4DECD857432D}"/>
+              </a:ext>
+            </a:extLst>
+          </p:cNvPr>
+          <p:cNvSpPr txBox="1"/>
+          <p:nvPr/>
+        </p:nvSpPr>
+        <p:spPr>
+          <a:xfrm>
+            <a:off x="2436361" y="2381766"/>
+            <a:ext cx="2050409" cy="369332"/>
+          </a:xfrm>
+          <a:prstGeom prst="rect">
+            <a:avLst/>
+          </a:prstGeom>
+          <a:noFill/>
+        </p:spPr>
+        <p:txBody>
+          <a:bodyPr wrap="square" rtlCol="0">
+            <a:spAutoFit/>
+          </a:bodyPr>
+          <a:lstStyle/>
+          <a:p>
+            <a:pPr algn="ctr"/>
+            <a:r>
+              <a:rPr lang="en-US" b="1" dirty="0"/>
+              <a:t>M human (34:4[9])</a:t>
+            </a:r>
+          </a:p>
+        </p:txBody>
+      </p:sp>
       <p:pic>
         <p:nvPicPr>
           <p:cNvPr id="1042" name="Picture 18">
             <a:extLst>
               <a:ext uri="{FF2B5EF4-FFF2-40B4-BE49-F238E27FC236}">
-                <a16:creationId xmlns:a16="http://schemas.microsoft.com/office/drawing/2014/main" id="{9B2BC1F0-998B-E4E7-E602-53FD3B172EB9}"/>
+                <a16:creationId xmlns:a16="http://schemas.microsoft.com/office/drawing/2014/main" id="{CD6AF220-44B5-8AE6-7E3B-91D90F559053}"/>
               </a:ext>
             </a:extLst>
           </p:cNvPr>
@@ -4259,8 +4805,8 @@
         </p:blipFill>
         <p:spPr bwMode="auto">
           <a:xfrm>
-            <a:off x="3031412" y="4699082"/>
-            <a:ext cx="2772204" cy="2029942"/>
+            <a:off x="2214511" y="512903"/>
+            <a:ext cx="2540898" cy="1868863"/>
           </a:xfrm>
           <a:prstGeom prst="rect">
             <a:avLst/>
@@ -4277,12 +4823,48 @@
           </a:extLst>
         </p:spPr>
       </p:pic>
+      <p:sp>
+        <p:nvSpPr>
+          <p:cNvPr id="10" name="TextBox 9">
+            <a:extLst>
+              <a:ext uri="{FF2B5EF4-FFF2-40B4-BE49-F238E27FC236}">
+                <a16:creationId xmlns:a16="http://schemas.microsoft.com/office/drawing/2014/main" id="{40AFAE94-48A8-2F05-B9FE-C6C4AE63C2AF}"/>
+              </a:ext>
+            </a:extLst>
+          </p:cNvPr>
+          <p:cNvSpPr txBox="1"/>
+          <p:nvPr/>
+        </p:nvSpPr>
+        <p:spPr>
+          <a:xfrm>
+            <a:off x="2110635" y="224270"/>
+            <a:ext cx="2801800" cy="369332"/>
+          </a:xfrm>
+          <a:prstGeom prst="rect">
+            <a:avLst/>
+          </a:prstGeom>
+          <a:noFill/>
+        </p:spPr>
+        <p:txBody>
+          <a:bodyPr wrap="square" rtlCol="0">
+            <a:spAutoFit/>
+          </a:bodyPr>
+          <a:lstStyle/>
+          <a:p>
+            <a:pPr algn="ctr"/>
+            <a:r>
+              <a:rPr lang="en-US" dirty="0"/>
+              <a:t>M mouse (34:4[10])</a:t>
+            </a:r>
+          </a:p>
+        </p:txBody>
+      </p:sp>
       <p:pic>
         <p:nvPicPr>
-          <p:cNvPr id="1044" name="Picture 20">
-            <a:extLst>
-              <a:ext uri="{FF2B5EF4-FFF2-40B4-BE49-F238E27FC236}">
-                <a16:creationId xmlns:a16="http://schemas.microsoft.com/office/drawing/2014/main" id="{CE881992-92BA-B255-1647-E01A26367A7B}"/>
+          <p:cNvPr id="1036" name="Picture 12">
+            <a:extLst>
+              <a:ext uri="{FF2B5EF4-FFF2-40B4-BE49-F238E27FC236}">
+                <a16:creationId xmlns:a16="http://schemas.microsoft.com/office/drawing/2014/main" id="{740096B2-0527-56EC-4126-4BB682D98F82}"/>
               </a:ext>
             </a:extLst>
           </p:cNvPr>
@@ -4306,8 +4888,8 @@
         </p:blipFill>
         <p:spPr bwMode="auto">
           <a:xfrm>
-            <a:off x="157693" y="4699082"/>
-            <a:ext cx="2772204" cy="2029942"/>
+            <a:off x="4395231" y="4796256"/>
+            <a:ext cx="2540899" cy="1868863"/>
           </a:xfrm>
           <a:prstGeom prst="rect">
             <a:avLst/>
@@ -4324,12 +4906,48 @@
           </a:extLst>
         </p:spPr>
       </p:pic>
+      <p:sp>
+        <p:nvSpPr>
+          <p:cNvPr id="7" name="TextBox 6">
+            <a:extLst>
+              <a:ext uri="{FF2B5EF4-FFF2-40B4-BE49-F238E27FC236}">
+                <a16:creationId xmlns:a16="http://schemas.microsoft.com/office/drawing/2014/main" id="{223702EB-F28A-26B0-2E2A-5B8DAF59176C}"/>
+              </a:ext>
+            </a:extLst>
+          </p:cNvPr>
+          <p:cNvSpPr txBox="1"/>
+          <p:nvPr/>
+        </p:nvSpPr>
+        <p:spPr>
+          <a:xfrm>
+            <a:off x="4643170" y="4541731"/>
+            <a:ext cx="2003056" cy="369332"/>
+          </a:xfrm>
+          <a:prstGeom prst="rect">
+            <a:avLst/>
+          </a:prstGeom>
+          <a:noFill/>
+        </p:spPr>
+        <p:txBody>
+          <a:bodyPr wrap="square" rtlCol="0">
+            <a:spAutoFit/>
+          </a:bodyPr>
+          <a:lstStyle/>
+          <a:p>
+            <a:pPr algn="ctr"/>
+            <a:r>
+              <a:rPr lang="en-US" dirty="0"/>
+              <a:t>M bovine (38:4[8])</a:t>
+            </a:r>
+          </a:p>
+        </p:txBody>
+      </p:sp>
       <p:pic>
         <p:nvPicPr>
-          <p:cNvPr id="4116" name="Picture 20">
-            <a:extLst>
-              <a:ext uri="{FF2B5EF4-FFF2-40B4-BE49-F238E27FC236}">
-                <a16:creationId xmlns:a16="http://schemas.microsoft.com/office/drawing/2014/main" id="{B5636CE6-5B9C-F067-2B35-722EA9ECA9A5}"/>
+          <p:cNvPr id="1038" name="Picture 14">
+            <a:extLst>
+              <a:ext uri="{FF2B5EF4-FFF2-40B4-BE49-F238E27FC236}">
+                <a16:creationId xmlns:a16="http://schemas.microsoft.com/office/drawing/2014/main" id="{BC6C9171-F0DA-BD2D-B1B3-30C0F0FF08E8}"/>
               </a:ext>
             </a:extLst>
           </p:cNvPr>
@@ -4353,8 +4971,8 @@
         </p:blipFill>
         <p:spPr bwMode="auto">
           <a:xfrm>
-            <a:off x="8848105" y="2571749"/>
-            <a:ext cx="2633914" cy="2071717"/>
+            <a:off x="4395233" y="2620840"/>
+            <a:ext cx="2540897" cy="1868862"/>
           </a:xfrm>
           <a:prstGeom prst="rect">
             <a:avLst/>
@@ -4371,12 +4989,48 @@
           </a:extLst>
         </p:spPr>
       </p:pic>
+      <p:sp>
+        <p:nvSpPr>
+          <p:cNvPr id="8" name="TextBox 7">
+            <a:extLst>
+              <a:ext uri="{FF2B5EF4-FFF2-40B4-BE49-F238E27FC236}">
+                <a16:creationId xmlns:a16="http://schemas.microsoft.com/office/drawing/2014/main" id="{FB2B4A75-884D-BC01-D7F3-6C0773FEC538}"/>
+              </a:ext>
+            </a:extLst>
+          </p:cNvPr>
+          <p:cNvSpPr txBox="1"/>
+          <p:nvPr/>
+        </p:nvSpPr>
+        <p:spPr>
+          <a:xfrm>
+            <a:off x="4643170" y="2410160"/>
+            <a:ext cx="2050409" cy="369332"/>
+          </a:xfrm>
+          <a:prstGeom prst="rect">
+            <a:avLst/>
+          </a:prstGeom>
+          <a:noFill/>
+        </p:spPr>
+        <p:txBody>
+          <a:bodyPr wrap="square" rtlCol="0">
+            <a:spAutoFit/>
+          </a:bodyPr>
+          <a:lstStyle/>
+          <a:p>
+            <a:pPr algn="ctr"/>
+            <a:r>
+              <a:rPr lang="en-US" dirty="0"/>
+              <a:t>M human (38:4[7])</a:t>
+            </a:r>
+          </a:p>
+        </p:txBody>
+      </p:sp>
       <p:pic>
         <p:nvPicPr>
-          <p:cNvPr id="4118" name="Picture 22">
-            <a:extLst>
-              <a:ext uri="{FF2B5EF4-FFF2-40B4-BE49-F238E27FC236}">
-                <a16:creationId xmlns:a16="http://schemas.microsoft.com/office/drawing/2014/main" id="{B6F721E1-9F52-6ED2-DC52-DA228589DA41}"/>
+          <p:cNvPr id="1044" name="Picture 20">
+            <a:extLst>
+              <a:ext uri="{FF2B5EF4-FFF2-40B4-BE49-F238E27FC236}">
+                <a16:creationId xmlns:a16="http://schemas.microsoft.com/office/drawing/2014/main" id="{5C128439-3882-FCEF-055E-24BC34801E07}"/>
               </a:ext>
             </a:extLst>
           </p:cNvPr>
@@ -4400,8 +5054,8 @@
         </p:blipFill>
         <p:spPr bwMode="auto">
           <a:xfrm>
-            <a:off x="5981597" y="2592708"/>
-            <a:ext cx="2633914" cy="2071717"/>
+            <a:off x="4395231" y="523093"/>
+            <a:ext cx="2540899" cy="1868863"/>
           </a:xfrm>
           <a:prstGeom prst="rect">
             <a:avLst/>
@@ -4418,12 +5072,48 @@
           </a:extLst>
         </p:spPr>
       </p:pic>
+      <p:sp>
+        <p:nvSpPr>
+          <p:cNvPr id="11" name="TextBox 10">
+            <a:extLst>
+              <a:ext uri="{FF2B5EF4-FFF2-40B4-BE49-F238E27FC236}">
+                <a16:creationId xmlns:a16="http://schemas.microsoft.com/office/drawing/2014/main" id="{6070770C-3338-01E8-8A1D-3F314FD2406D}"/>
+              </a:ext>
+            </a:extLst>
+          </p:cNvPr>
+          <p:cNvSpPr txBox="1"/>
+          <p:nvPr/>
+        </p:nvSpPr>
+        <p:spPr>
+          <a:xfrm>
+            <a:off x="4643170" y="232671"/>
+            <a:ext cx="2045017" cy="369332"/>
+          </a:xfrm>
+          <a:prstGeom prst="rect">
+            <a:avLst/>
+          </a:prstGeom>
+          <a:noFill/>
+        </p:spPr>
+        <p:txBody>
+          <a:bodyPr wrap="square" rtlCol="0">
+            <a:spAutoFit/>
+          </a:bodyPr>
+          <a:lstStyle/>
+          <a:p>
+            <a:pPr algn="ctr"/>
+            <a:r>
+              <a:rPr lang="en-US" dirty="0"/>
+              <a:t>M mouse (38:4[9])</a:t>
+            </a:r>
+          </a:p>
+        </p:txBody>
+      </p:sp>
       <p:pic>
         <p:nvPicPr>
-          <p:cNvPr id="4120" name="Picture 24">
-            <a:extLst>
-              <a:ext uri="{FF2B5EF4-FFF2-40B4-BE49-F238E27FC236}">
-                <a16:creationId xmlns:a16="http://schemas.microsoft.com/office/drawing/2014/main" id="{72D1162A-B9B7-D210-B0DF-FEEB5CA7959E}"/>
+          <p:cNvPr id="16" name="Picture 10">
+            <a:extLst>
+              <a:ext uri="{FF2B5EF4-FFF2-40B4-BE49-F238E27FC236}">
+                <a16:creationId xmlns:a16="http://schemas.microsoft.com/office/drawing/2014/main" id="{4144EDF4-0212-9E07-012C-F0287FF03DCE}"/>
               </a:ext>
             </a:extLst>
           </p:cNvPr>
@@ -4447,8 +5137,8 @@
         </p:blipFill>
         <p:spPr bwMode="auto">
           <a:xfrm>
-            <a:off x="3026183" y="2571749"/>
-            <a:ext cx="2633914" cy="2071717"/>
+            <a:off x="6966581" y="4738737"/>
+            <a:ext cx="2406384" cy="1868863"/>
           </a:xfrm>
           <a:prstGeom prst="rect">
             <a:avLst/>
@@ -4467,10 +5157,10 @@
       </p:pic>
       <p:pic>
         <p:nvPicPr>
-          <p:cNvPr id="4122" name="Picture 26">
-            <a:extLst>
-              <a:ext uri="{FF2B5EF4-FFF2-40B4-BE49-F238E27FC236}">
-                <a16:creationId xmlns:a16="http://schemas.microsoft.com/office/drawing/2014/main" id="{EF41DD0F-3CEF-556F-7862-CB6047489E5B}"/>
+          <p:cNvPr id="17" name="Picture 12">
+            <a:extLst>
+              <a:ext uri="{FF2B5EF4-FFF2-40B4-BE49-F238E27FC236}">
+                <a16:creationId xmlns:a16="http://schemas.microsoft.com/office/drawing/2014/main" id="{476EBE30-22CF-A74A-2DA1-C9718C150FAF}"/>
               </a:ext>
             </a:extLst>
           </p:cNvPr>
@@ -4494,8 +5184,8 @@
         </p:blipFill>
         <p:spPr bwMode="auto">
           <a:xfrm>
-            <a:off x="184014" y="2592708"/>
-            <a:ext cx="2633915" cy="2071718"/>
+            <a:off x="6946835" y="2643133"/>
+            <a:ext cx="2406384" cy="1868863"/>
           </a:xfrm>
           <a:prstGeom prst="rect">
             <a:avLst/>
@@ -4512,80 +5202,104 @@
           </a:extLst>
         </p:spPr>
       </p:pic>
-      <p:sp>
-        <p:nvSpPr>
-          <p:cNvPr id="5" name="TextBox 4">
-            <a:extLst>
-              <a:ext uri="{FF2B5EF4-FFF2-40B4-BE49-F238E27FC236}">
-                <a16:creationId xmlns:a16="http://schemas.microsoft.com/office/drawing/2014/main" id="{3080C99E-0CD8-AC6B-BFA7-4CCB076C28E3}"/>
-              </a:ext>
-            </a:extLst>
-          </p:cNvPr>
-          <p:cNvSpPr txBox="1"/>
+      <p:pic>
+        <p:nvPicPr>
+          <p:cNvPr id="18" name="Picture 14">
+            <a:extLst>
+              <a:ext uri="{FF2B5EF4-FFF2-40B4-BE49-F238E27FC236}">
+                <a16:creationId xmlns:a16="http://schemas.microsoft.com/office/drawing/2014/main" id="{7A9F1CDA-BF11-F8EE-ACCB-C2EA3EE99B03}"/>
+              </a:ext>
+            </a:extLst>
+          </p:cNvPr>
+          <p:cNvPicPr>
+            <a:picLocks noChangeAspect="1" noChangeArrowheads="1"/>
+          </p:cNvPicPr>
           <p:nvPr/>
-        </p:nvSpPr>
-        <p:spPr>
-          <a:xfrm>
-            <a:off x="916988" y="1208833"/>
-            <a:ext cx="1192306" cy="369332"/>
+        </p:nvPicPr>
+        <p:blipFill>
+          <a:blip r:embed="rId14">
+            <a:extLst>
+              <a:ext uri="{28A0092B-C50C-407E-A947-70E740481C1C}">
+                <a14:useLocalDpi xmlns:a14="http://schemas.microsoft.com/office/drawing/2010/main" val="0"/>
+              </a:ext>
+            </a:extLst>
+          </a:blip>
+          <a:srcRect/>
+          <a:stretch>
+            <a:fillRect/>
+          </a:stretch>
+        </p:blipFill>
+        <p:spPr bwMode="auto">
+          <a:xfrm>
+            <a:off x="6934846" y="538910"/>
+            <a:ext cx="2406384" cy="1868863"/>
           </a:xfrm>
           <a:prstGeom prst="rect">
             <a:avLst/>
           </a:prstGeom>
           <a:noFill/>
-        </p:spPr>
-        <p:txBody>
-          <a:bodyPr wrap="square" rtlCol="0">
-            <a:spAutoFit/>
-          </a:bodyPr>
-          <a:lstStyle/>
-          <a:p>
-            <a:r>
-              <a:rPr lang="en-US" dirty="0"/>
-              <a:t>y-linear</a:t>
-            </a:r>
-          </a:p>
-        </p:txBody>
-      </p:sp>
-      <p:sp>
-        <p:nvSpPr>
-          <p:cNvPr id="6" name="TextBox 5">
-            <a:extLst>
-              <a:ext uri="{FF2B5EF4-FFF2-40B4-BE49-F238E27FC236}">
-                <a16:creationId xmlns:a16="http://schemas.microsoft.com/office/drawing/2014/main" id="{EFD00E6B-DCCC-E671-BBEC-37D6AF20D4A1}"/>
-              </a:ext>
-            </a:extLst>
-          </p:cNvPr>
-          <p:cNvSpPr txBox="1"/>
+          <a:extLst>
+            <a:ext uri="{909E8E84-426E-40DD-AFC4-6F175D3DCCD1}">
+              <a14:hiddenFill xmlns:a14="http://schemas.microsoft.com/office/drawing/2010/main">
+                <a:solidFill>
+                  <a:srgbClr val="FFFFFF"/>
+                </a:solidFill>
+              </a14:hiddenFill>
+            </a:ext>
+          </a:extLst>
+        </p:spPr>
+      </p:pic>
+      <p:pic>
+        <p:nvPicPr>
+          <p:cNvPr id="19" name="Picture 16">
+            <a:extLst>
+              <a:ext uri="{FF2B5EF4-FFF2-40B4-BE49-F238E27FC236}">
+                <a16:creationId xmlns:a16="http://schemas.microsoft.com/office/drawing/2014/main" id="{F9672ECC-7523-D97D-CAA7-C606634B9EBB}"/>
+              </a:ext>
+            </a:extLst>
+          </p:cNvPr>
+          <p:cNvPicPr>
+            <a:picLocks noChangeAspect="1" noChangeArrowheads="1"/>
+          </p:cNvPicPr>
           <p:nvPr/>
-        </p:nvSpPr>
-        <p:spPr>
-          <a:xfrm>
-            <a:off x="947642" y="2762633"/>
-            <a:ext cx="1192306" cy="369332"/>
+        </p:nvPicPr>
+        <p:blipFill>
+          <a:blip r:embed="rId15">
+            <a:extLst>
+              <a:ext uri="{28A0092B-C50C-407E-A947-70E740481C1C}">
+                <a14:useLocalDpi xmlns:a14="http://schemas.microsoft.com/office/drawing/2010/main" val="0"/>
+              </a:ext>
+            </a:extLst>
+          </a:blip>
+          <a:srcRect/>
+          <a:stretch>
+            <a:fillRect/>
+          </a:stretch>
+        </p:blipFill>
+        <p:spPr bwMode="auto">
+          <a:xfrm>
+            <a:off x="9435895" y="3615200"/>
+            <a:ext cx="2552225" cy="1868863"/>
           </a:xfrm>
           <a:prstGeom prst="rect">
             <a:avLst/>
           </a:prstGeom>
           <a:noFill/>
-        </p:spPr>
-        <p:txBody>
-          <a:bodyPr wrap="square" rtlCol="0">
-            <a:spAutoFit/>
-          </a:bodyPr>
-          <a:lstStyle/>
-          <a:p>
-            <a:r>
-              <a:rPr lang="en-US" dirty="0"/>
-              <a:t>y-log</a:t>
-            </a:r>
-          </a:p>
-        </p:txBody>
-      </p:sp>
+          <a:extLst>
+            <a:ext uri="{909E8E84-426E-40DD-AFC4-6F175D3DCCD1}">
+              <a14:hiddenFill xmlns:a14="http://schemas.microsoft.com/office/drawing/2010/main">
+                <a:solidFill>
+                  <a:srgbClr val="FFFFFF"/>
+                </a:solidFill>
+              </a14:hiddenFill>
+            </a:ext>
+          </a:extLst>
+        </p:spPr>
+      </p:pic>
     </p:spTree>
     <p:extLst>
       <p:ext uri="{BB962C8B-B14F-4D97-AF65-F5344CB8AC3E}">
-        <p14:creationId xmlns:p14="http://schemas.microsoft.com/office/powerpoint/2010/main" val="193630125"/>
+        <p14:creationId xmlns:p14="http://schemas.microsoft.com/office/powerpoint/2010/main" val="1715482401"/>
       </p:ext>
     </p:extLst>
   </p:cSld>
@@ -4600,7 +5314,13 @@
   <p:cSld>
     <p:spTree>
       <p:nvGrpSpPr>
-        <p:cNvPr id="1" name=""/>
+        <p:cNvPr id="1" name="">
+          <a:extLst>
+            <a:ext uri="{FF2B5EF4-FFF2-40B4-BE49-F238E27FC236}">
+              <a16:creationId xmlns:a16="http://schemas.microsoft.com/office/drawing/2014/main" id="{DC99671D-786D-AA1C-29FD-0E4B24908CBF}"/>
+            </a:ext>
+          </a:extLst>
+        </p:cNvPr>
         <p:cNvGrpSpPr/>
         <p:nvPr/>
       </p:nvGrpSpPr>
@@ -4612,12 +5332,292 @@
           <a:chExt cx="0" cy="0"/>
         </a:xfrm>
       </p:grpSpPr>
+      <p:sp>
+        <p:nvSpPr>
+          <p:cNvPr id="2" name="TextBox 1">
+            <a:extLst>
+              <a:ext uri="{FF2B5EF4-FFF2-40B4-BE49-F238E27FC236}">
+                <a16:creationId xmlns:a16="http://schemas.microsoft.com/office/drawing/2014/main" id="{9C33B909-10BA-6C22-50AF-A65F66F1A96D}"/>
+              </a:ext>
+            </a:extLst>
+          </p:cNvPr>
+          <p:cNvSpPr txBox="1"/>
+          <p:nvPr/>
+        </p:nvSpPr>
+        <p:spPr>
+          <a:xfrm>
+            <a:off x="10023125" y="1386441"/>
+            <a:ext cx="1730189" cy="369332"/>
+          </a:xfrm>
+          <a:prstGeom prst="rect">
+            <a:avLst/>
+          </a:prstGeom>
+          <a:noFill/>
+        </p:spPr>
+        <p:txBody>
+          <a:bodyPr wrap="square" rtlCol="0">
+            <a:spAutoFit/>
+          </a:bodyPr>
+          <a:lstStyle/>
+          <a:p>
+            <a:pPr algn="ctr"/>
+            <a:r>
+              <a:rPr lang="en-US" dirty="0" err="1"/>
+              <a:t>pM</a:t>
+            </a:r>
+            <a:r>
+              <a:rPr lang="en-US" dirty="0"/>
+              <a:t> rat (32:3[9])</a:t>
+            </a:r>
+          </a:p>
+        </p:txBody>
+      </p:sp>
+      <p:sp>
+        <p:nvSpPr>
+          <p:cNvPr id="3" name="TextBox 2">
+            <a:extLst>
+              <a:ext uri="{FF2B5EF4-FFF2-40B4-BE49-F238E27FC236}">
+                <a16:creationId xmlns:a16="http://schemas.microsoft.com/office/drawing/2014/main" id="{1D4BA093-DDC5-5E4D-EB1F-261A3F59A2A0}"/>
+              </a:ext>
+            </a:extLst>
+          </p:cNvPr>
+          <p:cNvSpPr txBox="1"/>
+          <p:nvPr/>
+        </p:nvSpPr>
+        <p:spPr>
+          <a:xfrm>
+            <a:off x="231658" y="210393"/>
+            <a:ext cx="2212270" cy="369332"/>
+          </a:xfrm>
+          <a:prstGeom prst="rect">
+            <a:avLst/>
+          </a:prstGeom>
+          <a:noFill/>
+        </p:spPr>
+        <p:txBody>
+          <a:bodyPr wrap="square" rtlCol="0">
+            <a:spAutoFit/>
+          </a:bodyPr>
+          <a:lstStyle/>
+          <a:p>
+            <a:pPr algn="ctr"/>
+            <a:r>
+              <a:rPr lang="en-US" b="1" dirty="0" err="1"/>
+              <a:t>pM</a:t>
+            </a:r>
+            <a:r>
+              <a:rPr lang="en-US" b="1" dirty="0"/>
+              <a:t> mouse (32:4[10])</a:t>
+            </a:r>
+          </a:p>
+        </p:txBody>
+      </p:sp>
+      <p:sp>
+        <p:nvSpPr>
+          <p:cNvPr id="5" name="TextBox 4">
+            <a:extLst>
+              <a:ext uri="{FF2B5EF4-FFF2-40B4-BE49-F238E27FC236}">
+                <a16:creationId xmlns:a16="http://schemas.microsoft.com/office/drawing/2014/main" id="{7CAE427D-B06D-9C86-4E30-3603E13F8788}"/>
+              </a:ext>
+            </a:extLst>
+          </p:cNvPr>
+          <p:cNvSpPr txBox="1"/>
+          <p:nvPr/>
+        </p:nvSpPr>
+        <p:spPr>
+          <a:xfrm>
+            <a:off x="129494" y="4507914"/>
+            <a:ext cx="2202368" cy="369332"/>
+          </a:xfrm>
+          <a:prstGeom prst="rect">
+            <a:avLst/>
+          </a:prstGeom>
+          <a:noFill/>
+        </p:spPr>
+        <p:txBody>
+          <a:bodyPr wrap="square" rtlCol="0">
+            <a:spAutoFit/>
+          </a:bodyPr>
+          <a:lstStyle/>
+          <a:p>
+            <a:pPr algn="ctr"/>
+            <a:r>
+              <a:rPr lang="en-US" dirty="0" err="1"/>
+              <a:t>pM</a:t>
+            </a:r>
+            <a:r>
+              <a:rPr lang="en-US" dirty="0"/>
+              <a:t> bovine (32:4[10])</a:t>
+            </a:r>
+          </a:p>
+        </p:txBody>
+      </p:sp>
+      <p:sp>
+        <p:nvSpPr>
+          <p:cNvPr id="6" name="TextBox 5">
+            <a:extLst>
+              <a:ext uri="{FF2B5EF4-FFF2-40B4-BE49-F238E27FC236}">
+                <a16:creationId xmlns:a16="http://schemas.microsoft.com/office/drawing/2014/main" id="{856CF1F3-42CD-477F-DF5B-2B26C8ACC743}"/>
+              </a:ext>
+            </a:extLst>
+          </p:cNvPr>
+          <p:cNvSpPr txBox="1"/>
+          <p:nvPr/>
+        </p:nvSpPr>
+        <p:spPr>
+          <a:xfrm>
+            <a:off x="2495854" y="4507914"/>
+            <a:ext cx="2202368" cy="369332"/>
+          </a:xfrm>
+          <a:prstGeom prst="rect">
+            <a:avLst/>
+          </a:prstGeom>
+          <a:noFill/>
+        </p:spPr>
+        <p:txBody>
+          <a:bodyPr wrap="square" rtlCol="0">
+            <a:spAutoFit/>
+          </a:bodyPr>
+          <a:lstStyle/>
+          <a:p>
+            <a:pPr algn="ctr"/>
+            <a:r>
+              <a:rPr lang="en-US" dirty="0" err="1"/>
+              <a:t>pM</a:t>
+            </a:r>
+            <a:r>
+              <a:rPr lang="en-US" dirty="0"/>
+              <a:t> bovine (34:4[8])</a:t>
+            </a:r>
+          </a:p>
+        </p:txBody>
+      </p:sp>
+      <p:sp>
+        <p:nvSpPr>
+          <p:cNvPr id="7" name="TextBox 6">
+            <a:extLst>
+              <a:ext uri="{FF2B5EF4-FFF2-40B4-BE49-F238E27FC236}">
+                <a16:creationId xmlns:a16="http://schemas.microsoft.com/office/drawing/2014/main" id="{7E8CD0CD-660B-6BE7-5E50-B62D0B13210D}"/>
+              </a:ext>
+            </a:extLst>
+          </p:cNvPr>
+          <p:cNvSpPr txBox="1"/>
+          <p:nvPr/>
+        </p:nvSpPr>
+        <p:spPr>
+          <a:xfrm>
+            <a:off x="4606748" y="4535080"/>
+            <a:ext cx="2209872" cy="369332"/>
+          </a:xfrm>
+          <a:prstGeom prst="rect">
+            <a:avLst/>
+          </a:prstGeom>
+          <a:noFill/>
+        </p:spPr>
+        <p:txBody>
+          <a:bodyPr wrap="square" rtlCol="0">
+            <a:spAutoFit/>
+          </a:bodyPr>
+          <a:lstStyle/>
+          <a:p>
+            <a:pPr algn="ctr"/>
+            <a:r>
+              <a:rPr lang="en-US" b="1" dirty="0" err="1"/>
+              <a:t>pM</a:t>
+            </a:r>
+            <a:r>
+              <a:rPr lang="en-US" b="1" dirty="0"/>
+              <a:t> bovine (38:4[9])</a:t>
+            </a:r>
+          </a:p>
+        </p:txBody>
+      </p:sp>
+      <p:sp>
+        <p:nvSpPr>
+          <p:cNvPr id="10" name="TextBox 9">
+            <a:extLst>
+              <a:ext uri="{FF2B5EF4-FFF2-40B4-BE49-F238E27FC236}">
+                <a16:creationId xmlns:a16="http://schemas.microsoft.com/office/drawing/2014/main" id="{A121159E-8F10-2779-6A5A-784814DF01DB}"/>
+              </a:ext>
+            </a:extLst>
+          </p:cNvPr>
+          <p:cNvSpPr txBox="1"/>
+          <p:nvPr/>
+        </p:nvSpPr>
+        <p:spPr>
+          <a:xfrm>
+            <a:off x="2432270" y="210393"/>
+            <a:ext cx="2156250" cy="369332"/>
+          </a:xfrm>
+          <a:prstGeom prst="rect">
+            <a:avLst/>
+          </a:prstGeom>
+          <a:noFill/>
+        </p:spPr>
+        <p:txBody>
+          <a:bodyPr wrap="square" rtlCol="0">
+            <a:spAutoFit/>
+          </a:bodyPr>
+          <a:lstStyle/>
+          <a:p>
+            <a:pPr algn="ctr"/>
+            <a:r>
+              <a:rPr lang="en-US" dirty="0" err="1"/>
+              <a:t>pM</a:t>
+            </a:r>
+            <a:r>
+              <a:rPr lang="en-US" dirty="0"/>
+              <a:t> mouse (34:4[10])</a:t>
+            </a:r>
+          </a:p>
+        </p:txBody>
+      </p:sp>
+      <p:sp>
+        <p:nvSpPr>
+          <p:cNvPr id="11" name="TextBox 10">
+            <a:extLst>
+              <a:ext uri="{FF2B5EF4-FFF2-40B4-BE49-F238E27FC236}">
+                <a16:creationId xmlns:a16="http://schemas.microsoft.com/office/drawing/2014/main" id="{E2DE7D06-9317-09FD-5311-96B65FD6A661}"/>
+              </a:ext>
+            </a:extLst>
+          </p:cNvPr>
+          <p:cNvSpPr txBox="1"/>
+          <p:nvPr/>
+        </p:nvSpPr>
+        <p:spPr>
+          <a:xfrm>
+            <a:off x="4618437" y="223801"/>
+            <a:ext cx="2156249" cy="369332"/>
+          </a:xfrm>
+          <a:prstGeom prst="rect">
+            <a:avLst/>
+          </a:prstGeom>
+          <a:noFill/>
+        </p:spPr>
+        <p:txBody>
+          <a:bodyPr wrap="square" rtlCol="0">
+            <a:spAutoFit/>
+          </a:bodyPr>
+          <a:lstStyle/>
+          <a:p>
+            <a:pPr algn="ctr"/>
+            <a:r>
+              <a:rPr lang="en-US" dirty="0" err="1"/>
+              <a:t>pM</a:t>
+            </a:r>
+            <a:r>
+              <a:rPr lang="en-US" dirty="0"/>
+              <a:t> mouse (38:4[10])</a:t>
+            </a:r>
+          </a:p>
+        </p:txBody>
+      </p:sp>
       <p:pic>
         <p:nvPicPr>
-          <p:cNvPr id="3100" name="Picture 28">
-            <a:extLst>
-              <a:ext uri="{FF2B5EF4-FFF2-40B4-BE49-F238E27FC236}">
-                <a16:creationId xmlns:a16="http://schemas.microsoft.com/office/drawing/2014/main" id="{DA683D91-6D1B-FFC1-38FA-A53602C10B74}"/>
+          <p:cNvPr id="2050" name="Picture 2">
+            <a:extLst>
+              <a:ext uri="{FF2B5EF4-FFF2-40B4-BE49-F238E27FC236}">
+                <a16:creationId xmlns:a16="http://schemas.microsoft.com/office/drawing/2014/main" id="{8C9A285D-121A-A4CC-9D7D-75AC12148D5C}"/>
               </a:ext>
             </a:extLst>
           </p:cNvPr>
@@ -4641,8 +5641,8 @@
         </p:blipFill>
         <p:spPr bwMode="auto">
           <a:xfrm>
-            <a:off x="8978256" y="612995"/>
-            <a:ext cx="2633917" cy="2232432"/>
+            <a:off x="99399" y="519999"/>
+            <a:ext cx="2540898" cy="1868863"/>
           </a:xfrm>
           <a:prstGeom prst="rect">
             <a:avLst/>
@@ -4661,10 +5661,10 @@
       </p:pic>
       <p:pic>
         <p:nvPicPr>
-          <p:cNvPr id="3078" name="Picture 6">
-            <a:extLst>
-              <a:ext uri="{FF2B5EF4-FFF2-40B4-BE49-F238E27FC236}">
-                <a16:creationId xmlns:a16="http://schemas.microsoft.com/office/drawing/2014/main" id="{FA4FBC6A-2272-C7E0-3918-CB963C89CA6F}"/>
+          <p:cNvPr id="2052" name="Picture 4">
+            <a:extLst>
+              <a:ext uri="{FF2B5EF4-FFF2-40B4-BE49-F238E27FC236}">
+                <a16:creationId xmlns:a16="http://schemas.microsoft.com/office/drawing/2014/main" id="{C74E3920-E392-3340-84A3-1748BD25785A}"/>
               </a:ext>
             </a:extLst>
           </p:cNvPr>
@@ -4688,8 +5688,8 @@
         </p:blipFill>
         <p:spPr bwMode="auto">
           <a:xfrm>
-            <a:off x="238964" y="615821"/>
-            <a:ext cx="2633915" cy="2232430"/>
+            <a:off x="2276618" y="533186"/>
+            <a:ext cx="2540899" cy="1868863"/>
           </a:xfrm>
           <a:prstGeom prst="rect">
             <a:avLst/>
@@ -4706,72 +5706,12 @@
           </a:extLst>
         </p:spPr>
       </p:pic>
-      <p:sp>
-        <p:nvSpPr>
-          <p:cNvPr id="2" name="TextBox 1">
-            <a:extLst>
-              <a:ext uri="{FF2B5EF4-FFF2-40B4-BE49-F238E27FC236}">
-                <a16:creationId xmlns:a16="http://schemas.microsoft.com/office/drawing/2014/main" id="{63C518E6-980C-A629-3BAF-98EA6AAED8B9}"/>
-              </a:ext>
-            </a:extLst>
-          </p:cNvPr>
-          <p:cNvSpPr txBox="1"/>
-          <p:nvPr/>
-        </p:nvSpPr>
-        <p:spPr>
-          <a:xfrm>
-            <a:off x="1494366" y="213039"/>
-            <a:ext cx="9203267" cy="369332"/>
-          </a:xfrm>
-          <a:prstGeom prst="rect">
-            <a:avLst/>
-          </a:prstGeom>
-          <a:noFill/>
-        </p:spPr>
-        <p:txBody>
-          <a:bodyPr wrap="square" rtlCol="0">
-            <a:spAutoFit/>
-          </a:bodyPr>
-          <a:lstStyle/>
-          <a:p>
-            <a:pPr algn="ctr"/>
-            <a:r>
-              <a:rPr lang="en-US" dirty="0"/>
-              <a:t>Binary </a:t>
-            </a:r>
-            <a:r>
-              <a:rPr lang="en-US" dirty="0" err="1"/>
-              <a:t>pNFH:NFL</a:t>
-            </a:r>
-            <a:r>
-              <a:rPr lang="en-US" dirty="0"/>
-              <a:t>; </a:t>
-            </a:r>
-            <a:r>
-              <a:rPr lang="en-US" dirty="0" err="1"/>
-              <a:t>sigma_total</a:t>
-            </a:r>
-            <a:r>
-              <a:rPr lang="en-US" dirty="0"/>
-              <a:t> = 0.03 c/nm2; </a:t>
-            </a:r>
-            <a:r>
-              <a:rPr lang="en-US" dirty="0" err="1"/>
-              <a:t>bv</a:t>
-            </a:r>
-            <a:r>
-              <a:rPr lang="en-US" dirty="0"/>
-              <a:t> = [(0.6, 0.15), (0.6, 0.05)]</a:t>
-            </a:r>
-          </a:p>
-        </p:txBody>
-      </p:sp>
       <p:pic>
         <p:nvPicPr>
-          <p:cNvPr id="3074" name="Picture 2">
-            <a:extLst>
-              <a:ext uri="{FF2B5EF4-FFF2-40B4-BE49-F238E27FC236}">
-                <a16:creationId xmlns:a16="http://schemas.microsoft.com/office/drawing/2014/main" id="{B45BC63E-AF7F-CFA3-D89D-CA98C2EB9919}"/>
+          <p:cNvPr id="2054" name="Picture 6">
+            <a:extLst>
+              <a:ext uri="{FF2B5EF4-FFF2-40B4-BE49-F238E27FC236}">
+                <a16:creationId xmlns:a16="http://schemas.microsoft.com/office/drawing/2014/main" id="{885DE5DA-497F-D364-2D74-671B3E00B319}"/>
               </a:ext>
             </a:extLst>
           </p:cNvPr>
@@ -4795,8 +5735,8 @@
         </p:blipFill>
         <p:spPr bwMode="auto">
           <a:xfrm>
-            <a:off x="167145" y="4600319"/>
-            <a:ext cx="2777551" cy="2061301"/>
+            <a:off x="4474766" y="546594"/>
+            <a:ext cx="2540897" cy="1868862"/>
           </a:xfrm>
           <a:prstGeom prst="rect">
             <a:avLst/>
@@ -4815,10 +5755,10 @@
       </p:pic>
       <p:pic>
         <p:nvPicPr>
-          <p:cNvPr id="3076" name="Picture 4">
-            <a:extLst>
-              <a:ext uri="{FF2B5EF4-FFF2-40B4-BE49-F238E27FC236}">
-                <a16:creationId xmlns:a16="http://schemas.microsoft.com/office/drawing/2014/main" id="{A0F7B615-89DF-B4FD-D22C-E5F320097DCE}"/>
+          <p:cNvPr id="2056" name="Picture 8">
+            <a:extLst>
+              <a:ext uri="{FF2B5EF4-FFF2-40B4-BE49-F238E27FC236}">
+                <a16:creationId xmlns:a16="http://schemas.microsoft.com/office/drawing/2014/main" id="{DF918FA6-5DC0-AC00-6CB5-EFCBA94BBE00}"/>
               </a:ext>
             </a:extLst>
           </p:cNvPr>
@@ -4842,8 +5782,8 @@
         </p:blipFill>
         <p:spPr bwMode="auto">
           <a:xfrm>
-            <a:off x="238965" y="2528601"/>
-            <a:ext cx="2633915" cy="2071718"/>
+            <a:off x="57077" y="2640921"/>
+            <a:ext cx="2540897" cy="1868862"/>
           </a:xfrm>
           <a:prstGeom prst="rect">
             <a:avLst/>
@@ -4862,10 +5802,10 @@
       </p:pic>
       <p:pic>
         <p:nvPicPr>
-          <p:cNvPr id="3082" name="Picture 10">
-            <a:extLst>
-              <a:ext uri="{FF2B5EF4-FFF2-40B4-BE49-F238E27FC236}">
-                <a16:creationId xmlns:a16="http://schemas.microsoft.com/office/drawing/2014/main" id="{B43BAD72-4CF5-023A-6258-0EC9669109BD}"/>
+          <p:cNvPr id="2058" name="Picture 10">
+            <a:extLst>
+              <a:ext uri="{FF2B5EF4-FFF2-40B4-BE49-F238E27FC236}">
+                <a16:creationId xmlns:a16="http://schemas.microsoft.com/office/drawing/2014/main" id="{BD8F26E1-0C10-285F-0E09-A48E06C0BEDE}"/>
               </a:ext>
             </a:extLst>
           </p:cNvPr>
@@ -4889,8 +5829,8 @@
         </p:blipFill>
         <p:spPr bwMode="auto">
           <a:xfrm>
-            <a:off x="3016516" y="4600319"/>
-            <a:ext cx="2846401" cy="2078257"/>
+            <a:off x="2311794" y="2626466"/>
+            <a:ext cx="2540898" cy="1868863"/>
           </a:xfrm>
           <a:prstGeom prst="rect">
             <a:avLst/>
@@ -4909,10 +5849,10 @@
       </p:pic>
       <p:pic>
         <p:nvPicPr>
-          <p:cNvPr id="3084" name="Picture 12">
-            <a:extLst>
-              <a:ext uri="{FF2B5EF4-FFF2-40B4-BE49-F238E27FC236}">
-                <a16:creationId xmlns:a16="http://schemas.microsoft.com/office/drawing/2014/main" id="{42BE2D6C-DC3B-B5F6-6A56-085CB0B5CB25}"/>
+          <p:cNvPr id="2060" name="Picture 12">
+            <a:extLst>
+              <a:ext uri="{FF2B5EF4-FFF2-40B4-BE49-F238E27FC236}">
+                <a16:creationId xmlns:a16="http://schemas.microsoft.com/office/drawing/2014/main" id="{800E0D2B-6CDD-DCB7-344F-8F3570C42438}"/>
               </a:ext>
             </a:extLst>
           </p:cNvPr>
@@ -4936,8 +5876,8 @@
         </p:blipFill>
         <p:spPr bwMode="auto">
           <a:xfrm>
-            <a:off x="3150785" y="624966"/>
-            <a:ext cx="2633915" cy="2232431"/>
+            <a:off x="4424939" y="2667459"/>
+            <a:ext cx="2540899" cy="1868863"/>
           </a:xfrm>
           <a:prstGeom prst="rect">
             <a:avLst/>
@@ -4954,12 +5894,132 @@
           </a:extLst>
         </p:spPr>
       </p:pic>
+      <p:sp>
+        <p:nvSpPr>
+          <p:cNvPr id="4" name="TextBox 3">
+            <a:extLst>
+              <a:ext uri="{FF2B5EF4-FFF2-40B4-BE49-F238E27FC236}">
+                <a16:creationId xmlns:a16="http://schemas.microsoft.com/office/drawing/2014/main" id="{5EBCC823-8D0E-90FB-0FBF-41D57A9E7F9F}"/>
+              </a:ext>
+            </a:extLst>
+          </p:cNvPr>
+          <p:cNvSpPr txBox="1"/>
+          <p:nvPr/>
+        </p:nvSpPr>
+        <p:spPr>
+          <a:xfrm>
+            <a:off x="187978" y="2371208"/>
+            <a:ext cx="2202368" cy="369332"/>
+          </a:xfrm>
+          <a:prstGeom prst="rect">
+            <a:avLst/>
+          </a:prstGeom>
+          <a:noFill/>
+        </p:spPr>
+        <p:txBody>
+          <a:bodyPr wrap="square" rtlCol="0">
+            <a:spAutoFit/>
+          </a:bodyPr>
+          <a:lstStyle/>
+          <a:p>
+            <a:pPr algn="ctr"/>
+            <a:r>
+              <a:rPr lang="en-US" dirty="0" err="1"/>
+              <a:t>pM</a:t>
+            </a:r>
+            <a:r>
+              <a:rPr lang="en-US" dirty="0"/>
+              <a:t> human (32:4[9])</a:t>
+            </a:r>
+          </a:p>
+        </p:txBody>
+      </p:sp>
+      <p:sp>
+        <p:nvSpPr>
+          <p:cNvPr id="8" name="TextBox 7">
+            <a:extLst>
+              <a:ext uri="{FF2B5EF4-FFF2-40B4-BE49-F238E27FC236}">
+                <a16:creationId xmlns:a16="http://schemas.microsoft.com/office/drawing/2014/main" id="{5404570B-E2A5-A710-FB89-3F16643CFB8A}"/>
+              </a:ext>
+            </a:extLst>
+          </p:cNvPr>
+          <p:cNvSpPr txBox="1"/>
+          <p:nvPr/>
+        </p:nvSpPr>
+        <p:spPr>
+          <a:xfrm>
+            <a:off x="4638471" y="2401290"/>
+            <a:ext cx="2141608" cy="369332"/>
+          </a:xfrm>
+          <a:prstGeom prst="rect">
+            <a:avLst/>
+          </a:prstGeom>
+          <a:noFill/>
+        </p:spPr>
+        <p:txBody>
+          <a:bodyPr wrap="square" rtlCol="0">
+            <a:spAutoFit/>
+          </a:bodyPr>
+          <a:lstStyle/>
+          <a:p>
+            <a:pPr algn="ctr"/>
+            <a:r>
+              <a:rPr lang="en-US" dirty="0" err="1"/>
+              <a:t>pM</a:t>
+            </a:r>
+            <a:r>
+              <a:rPr lang="en-US" dirty="0"/>
+              <a:t> human (38:4[6])</a:t>
+            </a:r>
+          </a:p>
+        </p:txBody>
+      </p:sp>
+      <p:sp>
+        <p:nvSpPr>
+          <p:cNvPr id="9" name="TextBox 8">
+            <a:extLst>
+              <a:ext uri="{FF2B5EF4-FFF2-40B4-BE49-F238E27FC236}">
+                <a16:creationId xmlns:a16="http://schemas.microsoft.com/office/drawing/2014/main" id="{1AD433A3-E70B-7CC5-F2A0-EB093DE8479D}"/>
+              </a:ext>
+            </a:extLst>
+          </p:cNvPr>
+          <p:cNvSpPr txBox="1"/>
+          <p:nvPr/>
+        </p:nvSpPr>
+        <p:spPr>
+          <a:xfrm>
+            <a:off x="2413345" y="2368917"/>
+            <a:ext cx="2260604" cy="369332"/>
+          </a:xfrm>
+          <a:prstGeom prst="rect">
+            <a:avLst/>
+          </a:prstGeom>
+          <a:noFill/>
+        </p:spPr>
+        <p:txBody>
+          <a:bodyPr wrap="square" rtlCol="0">
+            <a:spAutoFit/>
+          </a:bodyPr>
+          <a:lstStyle/>
+          <a:p>
+            <a:pPr algn="ctr"/>
+            <a:r>
+              <a:rPr lang="en-US" b="1" dirty="0" err="1"/>
+              <a:t>pM</a:t>
+            </a:r>
+            <a:r>
+              <a:rPr lang="en-US" b="1" dirty="0"/>
+              <a:t> human (34:4[7])</a:t>
+            </a:r>
+          </a:p>
+        </p:txBody>
+      </p:sp>
       <p:pic>
         <p:nvPicPr>
-          <p:cNvPr id="3086" name="Picture 14">
-            <a:extLst>
-              <a:ext uri="{FF2B5EF4-FFF2-40B4-BE49-F238E27FC236}">
-                <a16:creationId xmlns:a16="http://schemas.microsoft.com/office/drawing/2014/main" id="{A9558B97-2657-04BE-6E6A-61D3D71DFC83}"/>
+          <p:cNvPr id="2062" name="Picture 14">
+            <a:extLst>
+              <a:ext uri="{FF2B5EF4-FFF2-40B4-BE49-F238E27FC236}">
+                <a16:creationId xmlns:a16="http://schemas.microsoft.com/office/drawing/2014/main" id="{82B6AB82-6563-388B-B058-ED3EC4B6466D}"/>
               </a:ext>
             </a:extLst>
           </p:cNvPr>
@@ -4983,8 +6043,8 @@
         </p:blipFill>
         <p:spPr bwMode="auto">
           <a:xfrm>
-            <a:off x="3150784" y="2532536"/>
-            <a:ext cx="2633916" cy="2071719"/>
+            <a:off x="18714" y="4875377"/>
+            <a:ext cx="2540897" cy="1868862"/>
           </a:xfrm>
           <a:prstGeom prst="rect">
             <a:avLst/>
@@ -5003,10 +6063,10 @@
       </p:pic>
       <p:pic>
         <p:nvPicPr>
-          <p:cNvPr id="3088" name="Picture 16">
-            <a:extLst>
-              <a:ext uri="{FF2B5EF4-FFF2-40B4-BE49-F238E27FC236}">
-                <a16:creationId xmlns:a16="http://schemas.microsoft.com/office/drawing/2014/main" id="{2F5180D7-4E24-2060-64BC-F2501F7326DC}"/>
+          <p:cNvPr id="2064" name="Picture 16">
+            <a:extLst>
+              <a:ext uri="{FF2B5EF4-FFF2-40B4-BE49-F238E27FC236}">
+                <a16:creationId xmlns:a16="http://schemas.microsoft.com/office/drawing/2014/main" id="{538DA0D7-B669-930A-A9E1-45B81B86BF64}"/>
               </a:ext>
             </a:extLst>
           </p:cNvPr>
@@ -5030,8 +6090,8 @@
         </p:blipFill>
         <p:spPr bwMode="auto">
           <a:xfrm>
-            <a:off x="5997387" y="4566705"/>
-            <a:ext cx="2846401" cy="2078257"/>
+            <a:off x="2288751" y="4888785"/>
+            <a:ext cx="2540897" cy="1868862"/>
           </a:xfrm>
           <a:prstGeom prst="rect">
             <a:avLst/>
@@ -5050,10 +6110,10 @@
       </p:pic>
       <p:pic>
         <p:nvPicPr>
-          <p:cNvPr id="3092" name="Picture 20">
-            <a:extLst>
-              <a:ext uri="{FF2B5EF4-FFF2-40B4-BE49-F238E27FC236}">
-                <a16:creationId xmlns:a16="http://schemas.microsoft.com/office/drawing/2014/main" id="{D81F7714-6F43-6F8C-87BF-EA818CAF6DD1}"/>
+          <p:cNvPr id="2066" name="Picture 18">
+            <a:extLst>
+              <a:ext uri="{FF2B5EF4-FFF2-40B4-BE49-F238E27FC236}">
+                <a16:creationId xmlns:a16="http://schemas.microsoft.com/office/drawing/2014/main" id="{B15AAC25-F025-6AA2-0975-F534049B3107}"/>
               </a:ext>
             </a:extLst>
           </p:cNvPr>
@@ -5077,8 +6137,8 @@
         </p:blipFill>
         <p:spPr bwMode="auto">
           <a:xfrm>
-            <a:off x="6069204" y="624966"/>
-            <a:ext cx="2633916" cy="2232431"/>
+            <a:off x="4484424" y="4888785"/>
+            <a:ext cx="2540897" cy="1868862"/>
           </a:xfrm>
           <a:prstGeom prst="rect">
             <a:avLst/>
@@ -5097,10 +6157,10 @@
       </p:pic>
       <p:pic>
         <p:nvPicPr>
-          <p:cNvPr id="3094" name="Picture 22">
-            <a:extLst>
-              <a:ext uri="{FF2B5EF4-FFF2-40B4-BE49-F238E27FC236}">
-                <a16:creationId xmlns:a16="http://schemas.microsoft.com/office/drawing/2014/main" id="{E727738D-F24F-3231-F40F-533C676498B4}"/>
+          <p:cNvPr id="2068" name="Picture 20">
+            <a:extLst>
+              <a:ext uri="{FF2B5EF4-FFF2-40B4-BE49-F238E27FC236}">
+                <a16:creationId xmlns:a16="http://schemas.microsoft.com/office/drawing/2014/main" id="{947CB868-9E8F-02DA-39D9-552C2349EB33}"/>
               </a:ext>
             </a:extLst>
           </p:cNvPr>
@@ -5124,8 +6184,8 @@
         </p:blipFill>
         <p:spPr bwMode="auto">
           <a:xfrm>
-            <a:off x="6069204" y="2528600"/>
-            <a:ext cx="2633916" cy="2071719"/>
+            <a:off x="9617770" y="1692034"/>
+            <a:ext cx="2540898" cy="1868863"/>
           </a:xfrm>
           <a:prstGeom prst="rect">
             <a:avLst/>
@@ -5144,10 +6204,10 @@
       </p:pic>
       <p:pic>
         <p:nvPicPr>
-          <p:cNvPr id="3096" name="Picture 24">
-            <a:extLst>
-              <a:ext uri="{FF2B5EF4-FFF2-40B4-BE49-F238E27FC236}">
-                <a16:creationId xmlns:a16="http://schemas.microsoft.com/office/drawing/2014/main" id="{72628233-7306-B890-069C-5FF1E6203BAA}"/>
+          <p:cNvPr id="12" name="Picture 2">
+            <a:extLst>
+              <a:ext uri="{FF2B5EF4-FFF2-40B4-BE49-F238E27FC236}">
+                <a16:creationId xmlns:a16="http://schemas.microsoft.com/office/drawing/2014/main" id="{41EAE38F-0613-322A-41FB-087D14A05A51}"/>
               </a:ext>
             </a:extLst>
           </p:cNvPr>
@@ -5171,8 +6231,8 @@
         </p:blipFill>
         <p:spPr bwMode="auto">
           <a:xfrm>
-            <a:off x="8872015" y="4566704"/>
-            <a:ext cx="2846401" cy="2078257"/>
+            <a:off x="7046268" y="554888"/>
+            <a:ext cx="2540897" cy="1860568"/>
           </a:xfrm>
           <a:prstGeom prst="rect">
             <a:avLst/>
@@ -5191,10 +6251,10 @@
       </p:pic>
       <p:pic>
         <p:nvPicPr>
-          <p:cNvPr id="3098" name="Picture 26">
-            <a:extLst>
-              <a:ext uri="{FF2B5EF4-FFF2-40B4-BE49-F238E27FC236}">
-                <a16:creationId xmlns:a16="http://schemas.microsoft.com/office/drawing/2014/main" id="{6C43A136-011D-BD4F-AB43-197E09E9BD27}"/>
+          <p:cNvPr id="13" name="Picture 4">
+            <a:extLst>
+              <a:ext uri="{FF2B5EF4-FFF2-40B4-BE49-F238E27FC236}">
+                <a16:creationId xmlns:a16="http://schemas.microsoft.com/office/drawing/2014/main" id="{54293A0F-C058-68D2-EC38-D8F10822F348}"/>
               </a:ext>
             </a:extLst>
           </p:cNvPr>
@@ -5218,8 +6278,8 @@
         </p:blipFill>
         <p:spPr bwMode="auto">
           <a:xfrm>
-            <a:off x="8978258" y="2528600"/>
-            <a:ext cx="2633916" cy="2071719"/>
+            <a:off x="7032036" y="2739010"/>
+            <a:ext cx="2540897" cy="1860568"/>
           </a:xfrm>
           <a:prstGeom prst="rect">
             <a:avLst/>
@@ -5236,94 +6296,12 @@
           </a:extLst>
         </p:spPr>
       </p:pic>
-    </p:spTree>
-    <p:extLst>
-      <p:ext uri="{BB962C8B-B14F-4D97-AF65-F5344CB8AC3E}">
-        <p14:creationId xmlns:p14="http://schemas.microsoft.com/office/powerpoint/2010/main" val="2724543856"/>
-      </p:ext>
-    </p:extLst>
-  </p:cSld>
-  <p:clrMapOvr>
-    <a:masterClrMapping/>
-  </p:clrMapOvr>
-</p:sld>
-</file>
-
-<file path=ppt/slides/slide5.xml><?xml version="1.0" encoding="utf-8"?>
-<p:sld xmlns:a="http://schemas.openxmlformats.org/drawingml/2006/main" xmlns:r="http://schemas.openxmlformats.org/officeDocument/2006/relationships" xmlns:p="http://schemas.openxmlformats.org/presentationml/2006/main">
-  <p:cSld>
-    <p:spTree>
-      <p:nvGrpSpPr>
-        <p:cNvPr id="1" name=""/>
-        <p:cNvGrpSpPr/>
-        <p:nvPr/>
-      </p:nvGrpSpPr>
-      <p:grpSpPr>
-        <a:xfrm>
-          <a:off x="0" y="0"/>
-          <a:ext cx="0" cy="0"/>
-          <a:chOff x="0" y="0"/>
-          <a:chExt cx="0" cy="0"/>
-        </a:xfrm>
-      </p:grpSpPr>
-      <p:sp>
-        <p:nvSpPr>
-          <p:cNvPr id="2" name="TextBox 1">
-            <a:extLst>
-              <a:ext uri="{FF2B5EF4-FFF2-40B4-BE49-F238E27FC236}">
-                <a16:creationId xmlns:a16="http://schemas.microsoft.com/office/drawing/2014/main" id="{A9CA8CE6-2846-7F40-35C7-3420E5735C13}"/>
-              </a:ext>
-            </a:extLst>
-          </p:cNvPr>
-          <p:cNvSpPr txBox="1"/>
-          <p:nvPr/>
-        </p:nvSpPr>
-        <p:spPr>
-          <a:xfrm>
-            <a:off x="1494366" y="269522"/>
-            <a:ext cx="9203267" cy="369332"/>
-          </a:xfrm>
-          <a:prstGeom prst="rect">
-            <a:avLst/>
-          </a:prstGeom>
-          <a:noFill/>
-        </p:spPr>
-        <p:txBody>
-          <a:bodyPr wrap="square" rtlCol="0">
-            <a:spAutoFit/>
-          </a:bodyPr>
-          <a:lstStyle/>
-          <a:p>
-            <a:pPr algn="ctr"/>
-            <a:r>
-              <a:rPr lang="en-US" dirty="0"/>
-              <a:t>Binary NFM:NFL; </a:t>
-            </a:r>
-            <a:r>
-              <a:rPr lang="en-US" dirty="0" err="1"/>
-              <a:t>sigma_total</a:t>
-            </a:r>
-            <a:r>
-              <a:rPr lang="en-US" dirty="0"/>
-              <a:t> = 0.03 c/nm2; </a:t>
-            </a:r>
-            <a:r>
-              <a:rPr lang="en-US" dirty="0" err="1"/>
-              <a:t>bv</a:t>
-            </a:r>
-            <a:r>
-              <a:rPr lang="en-US" dirty="0"/>
-              <a:t> = (0.6, 0.05)</a:t>
-            </a:r>
-          </a:p>
-        </p:txBody>
-      </p:sp>
       <p:pic>
         <p:nvPicPr>
-          <p:cNvPr id="3" name="Picture 2">
-            <a:extLst>
-              <a:ext uri="{FF2B5EF4-FFF2-40B4-BE49-F238E27FC236}">
-                <a16:creationId xmlns:a16="http://schemas.microsoft.com/office/drawing/2014/main" id="{21D32723-BD6A-9221-D3C9-BF56C59ED325}"/>
+          <p:cNvPr id="15" name="Picture 8">
+            <a:extLst>
+              <a:ext uri="{FF2B5EF4-FFF2-40B4-BE49-F238E27FC236}">
+                <a16:creationId xmlns:a16="http://schemas.microsoft.com/office/drawing/2014/main" id="{3C2DE75E-CD6B-32D3-4D64-62B5952ABF15}"/>
               </a:ext>
             </a:extLst>
           </p:cNvPr>
@@ -5333,7 +6311,7 @@
           <p:nvPr/>
         </p:nvPicPr>
         <p:blipFill>
-          <a:blip r:embed="rId2">
+          <a:blip r:embed="rId14">
             <a:extLst>
               <a:ext uri="{28A0092B-C50C-407E-A947-70E740481C1C}">
                 <a14:useLocalDpi xmlns:a14="http://schemas.microsoft.com/office/drawing/2010/main" val="0"/>
@@ -5347,8 +6325,8 @@
         </p:blipFill>
         <p:spPr bwMode="auto">
           <a:xfrm>
-            <a:off x="8862420" y="4697982"/>
-            <a:ext cx="2775908" cy="2026658"/>
+            <a:off x="9554005" y="3674165"/>
+            <a:ext cx="2540897" cy="1860568"/>
           </a:xfrm>
           <a:prstGeom prst="rect">
             <a:avLst/>
@@ -5367,10 +6345,10 @@
       </p:pic>
       <p:pic>
         <p:nvPicPr>
-          <p:cNvPr id="4" name="Picture 4">
-            <a:extLst>
-              <a:ext uri="{FF2B5EF4-FFF2-40B4-BE49-F238E27FC236}">
-                <a16:creationId xmlns:a16="http://schemas.microsoft.com/office/drawing/2014/main" id="{19BD8B18-7B76-E8E9-2DE8-30B9E7EFFD02}"/>
+          <p:cNvPr id="16" name="Picture 10">
+            <a:extLst>
+              <a:ext uri="{FF2B5EF4-FFF2-40B4-BE49-F238E27FC236}">
+                <a16:creationId xmlns:a16="http://schemas.microsoft.com/office/drawing/2014/main" id="{D7FFDF3C-E7E1-14C7-086E-44B817BE5850}"/>
               </a:ext>
             </a:extLst>
           </p:cNvPr>
@@ -5380,7 +6358,7 @@
           <p:nvPr/>
         </p:nvPicPr>
         <p:blipFill>
-          <a:blip r:embed="rId3">
+          <a:blip r:embed="rId15">
             <a:extLst>
               <a:ext uri="{28A0092B-C50C-407E-A947-70E740481C1C}">
                 <a14:useLocalDpi xmlns:a14="http://schemas.microsoft.com/office/drawing/2010/main" val="0"/>
@@ -5394,8 +6372,8 @@
         </p:blipFill>
         <p:spPr bwMode="auto">
           <a:xfrm>
-            <a:off x="8929688" y="751830"/>
-            <a:ext cx="2643747" cy="2240764"/>
+            <a:off x="7020639" y="4898921"/>
+            <a:ext cx="2552225" cy="1868863"/>
           </a:xfrm>
           <a:prstGeom prst="rect">
             <a:avLst/>
@@ -5412,480 +6390,10 @@
           </a:extLst>
         </p:spPr>
       </p:pic>
-      <p:pic>
-        <p:nvPicPr>
-          <p:cNvPr id="6" name="Picture 8">
-            <a:extLst>
-              <a:ext uri="{FF2B5EF4-FFF2-40B4-BE49-F238E27FC236}">
-                <a16:creationId xmlns:a16="http://schemas.microsoft.com/office/drawing/2014/main" id="{0F2BA287-E1FF-45B3-DC6E-EDFB0999125F}"/>
-              </a:ext>
-            </a:extLst>
-          </p:cNvPr>
-          <p:cNvPicPr>
-            <a:picLocks noChangeAspect="1" noChangeArrowheads="1"/>
-          </p:cNvPicPr>
-          <p:nvPr/>
-        </p:nvPicPr>
-        <p:blipFill>
-          <a:blip r:embed="rId4">
-            <a:extLst>
-              <a:ext uri="{28A0092B-C50C-407E-A947-70E740481C1C}">
-                <a14:useLocalDpi xmlns:a14="http://schemas.microsoft.com/office/drawing/2010/main" val="0"/>
-              </a:ext>
-            </a:extLst>
-          </a:blip>
-          <a:srcRect/>
-          <a:stretch>
-            <a:fillRect/>
-          </a:stretch>
-        </p:blipFill>
-        <p:spPr bwMode="auto">
-          <a:xfrm>
-            <a:off x="5968735" y="4680846"/>
-            <a:ext cx="2775907" cy="2026658"/>
-          </a:xfrm>
-          <a:prstGeom prst="rect">
-            <a:avLst/>
-          </a:prstGeom>
-          <a:noFill/>
-          <a:extLst>
-            <a:ext uri="{909E8E84-426E-40DD-AFC4-6F175D3DCCD1}">
-              <a14:hiddenFill xmlns:a14="http://schemas.microsoft.com/office/drawing/2010/main">
-                <a:solidFill>
-                  <a:srgbClr val="FFFFFF"/>
-                </a:solidFill>
-              </a14:hiddenFill>
-            </a:ext>
-          </a:extLst>
-        </p:spPr>
-      </p:pic>
-      <p:pic>
-        <p:nvPicPr>
-          <p:cNvPr id="7" name="Picture 10">
-            <a:extLst>
-              <a:ext uri="{FF2B5EF4-FFF2-40B4-BE49-F238E27FC236}">
-                <a16:creationId xmlns:a16="http://schemas.microsoft.com/office/drawing/2014/main" id="{BFE8F1B3-F235-B165-7AD2-F7702BA26907}"/>
-              </a:ext>
-            </a:extLst>
-          </p:cNvPr>
-          <p:cNvPicPr>
-            <a:picLocks noChangeAspect="1" noChangeArrowheads="1"/>
-          </p:cNvPicPr>
-          <p:nvPr/>
-        </p:nvPicPr>
-        <p:blipFill>
-          <a:blip r:embed="rId5">
-            <a:extLst>
-              <a:ext uri="{28A0092B-C50C-407E-A947-70E740481C1C}">
-                <a14:useLocalDpi xmlns:a14="http://schemas.microsoft.com/office/drawing/2010/main" val="0"/>
-              </a:ext>
-            </a:extLst>
-          </a:blip>
-          <a:srcRect/>
-          <a:stretch>
-            <a:fillRect/>
-          </a:stretch>
-        </p:blipFill>
-        <p:spPr bwMode="auto">
-          <a:xfrm>
-            <a:off x="6036003" y="734694"/>
-            <a:ext cx="2643747" cy="2240764"/>
-          </a:xfrm>
-          <a:prstGeom prst="rect">
-            <a:avLst/>
-          </a:prstGeom>
-          <a:noFill/>
-          <a:extLst>
-            <a:ext uri="{909E8E84-426E-40DD-AFC4-6F175D3DCCD1}">
-              <a14:hiddenFill xmlns:a14="http://schemas.microsoft.com/office/drawing/2010/main">
-                <a:solidFill>
-                  <a:srgbClr val="FFFFFF"/>
-                </a:solidFill>
-              </a14:hiddenFill>
-            </a:ext>
-          </a:extLst>
-        </p:spPr>
-      </p:pic>
-      <p:pic>
-        <p:nvPicPr>
-          <p:cNvPr id="9" name="Picture 14">
-            <a:extLst>
-              <a:ext uri="{FF2B5EF4-FFF2-40B4-BE49-F238E27FC236}">
-                <a16:creationId xmlns:a16="http://schemas.microsoft.com/office/drawing/2014/main" id="{E41FD06F-087E-CED6-436B-0A92719F8441}"/>
-              </a:ext>
-            </a:extLst>
-          </p:cNvPr>
-          <p:cNvPicPr>
-            <a:picLocks noChangeAspect="1" noChangeArrowheads="1"/>
-          </p:cNvPicPr>
-          <p:nvPr/>
-        </p:nvPicPr>
-        <p:blipFill>
-          <a:blip r:embed="rId6">
-            <a:extLst>
-              <a:ext uri="{28A0092B-C50C-407E-A947-70E740481C1C}">
-                <a14:useLocalDpi xmlns:a14="http://schemas.microsoft.com/office/drawing/2010/main" val="0"/>
-              </a:ext>
-            </a:extLst>
-          </a:blip>
-          <a:srcRect/>
-          <a:stretch>
-            <a:fillRect/>
-          </a:stretch>
-        </p:blipFill>
-        <p:spPr bwMode="auto">
-          <a:xfrm>
-            <a:off x="3143475" y="4697982"/>
-            <a:ext cx="2775907" cy="2026658"/>
-          </a:xfrm>
-          <a:prstGeom prst="rect">
-            <a:avLst/>
-          </a:prstGeom>
-          <a:noFill/>
-          <a:extLst>
-            <a:ext uri="{909E8E84-426E-40DD-AFC4-6F175D3DCCD1}">
-              <a14:hiddenFill xmlns:a14="http://schemas.microsoft.com/office/drawing/2010/main">
-                <a:solidFill>
-                  <a:srgbClr val="FFFFFF"/>
-                </a:solidFill>
-              </a14:hiddenFill>
-            </a:ext>
-          </a:extLst>
-        </p:spPr>
-      </p:pic>
-      <p:pic>
-        <p:nvPicPr>
-          <p:cNvPr id="10" name="Picture 16">
-            <a:extLst>
-              <a:ext uri="{FF2B5EF4-FFF2-40B4-BE49-F238E27FC236}">
-                <a16:creationId xmlns:a16="http://schemas.microsoft.com/office/drawing/2014/main" id="{9F796E17-7529-38ED-7A86-DE807DA8A173}"/>
-              </a:ext>
-            </a:extLst>
-          </p:cNvPr>
-          <p:cNvPicPr>
-            <a:picLocks noChangeAspect="1" noChangeArrowheads="1"/>
-          </p:cNvPicPr>
-          <p:nvPr/>
-        </p:nvPicPr>
-        <p:blipFill>
-          <a:blip r:embed="rId7">
-            <a:extLst>
-              <a:ext uri="{28A0092B-C50C-407E-A947-70E740481C1C}">
-                <a14:useLocalDpi xmlns:a14="http://schemas.microsoft.com/office/drawing/2010/main" val="0"/>
-              </a:ext>
-            </a:extLst>
-          </a:blip>
-          <a:srcRect/>
-          <a:stretch>
-            <a:fillRect/>
-          </a:stretch>
-        </p:blipFill>
-        <p:spPr bwMode="auto">
-          <a:xfrm>
-            <a:off x="3209556" y="720425"/>
-            <a:ext cx="2643747" cy="2240764"/>
-          </a:xfrm>
-          <a:prstGeom prst="rect">
-            <a:avLst/>
-          </a:prstGeom>
-          <a:noFill/>
-          <a:extLst>
-            <a:ext uri="{909E8E84-426E-40DD-AFC4-6F175D3DCCD1}">
-              <a14:hiddenFill xmlns:a14="http://schemas.microsoft.com/office/drawing/2010/main">
-                <a:solidFill>
-                  <a:srgbClr val="FFFFFF"/>
-                </a:solidFill>
-              </a14:hiddenFill>
-            </a:ext>
-          </a:extLst>
-        </p:spPr>
-      </p:pic>
-      <p:pic>
-        <p:nvPicPr>
-          <p:cNvPr id="2068" name="Picture 20">
-            <a:extLst>
-              <a:ext uri="{FF2B5EF4-FFF2-40B4-BE49-F238E27FC236}">
-                <a16:creationId xmlns:a16="http://schemas.microsoft.com/office/drawing/2014/main" id="{43A9015D-9FAC-2BB2-7C82-6C9F06A16CFE}"/>
-              </a:ext>
-            </a:extLst>
-          </p:cNvPr>
-          <p:cNvPicPr>
-            <a:picLocks noChangeAspect="1" noChangeArrowheads="1"/>
-          </p:cNvPicPr>
-          <p:nvPr/>
-        </p:nvPicPr>
-        <p:blipFill>
-          <a:blip r:embed="rId8">
-            <a:extLst>
-              <a:ext uri="{28A0092B-C50C-407E-A947-70E740481C1C}">
-                <a14:useLocalDpi xmlns:a14="http://schemas.microsoft.com/office/drawing/2010/main" val="0"/>
-              </a:ext>
-            </a:extLst>
-          </a:blip>
-          <a:srcRect/>
-          <a:stretch>
-            <a:fillRect/>
-          </a:stretch>
-        </p:blipFill>
-        <p:spPr bwMode="auto">
-          <a:xfrm>
-            <a:off x="315099" y="4697982"/>
-            <a:ext cx="2775908" cy="2026659"/>
-          </a:xfrm>
-          <a:prstGeom prst="rect">
-            <a:avLst/>
-          </a:prstGeom>
-          <a:noFill/>
-          <a:extLst>
-            <a:ext uri="{909E8E84-426E-40DD-AFC4-6F175D3DCCD1}">
-              <a14:hiddenFill xmlns:a14="http://schemas.microsoft.com/office/drawing/2010/main">
-                <a:solidFill>
-                  <a:srgbClr val="FFFFFF"/>
-                </a:solidFill>
-              </a14:hiddenFill>
-            </a:ext>
-          </a:extLst>
-        </p:spPr>
-      </p:pic>
-      <p:pic>
-        <p:nvPicPr>
-          <p:cNvPr id="2070" name="Picture 22">
-            <a:extLst>
-              <a:ext uri="{FF2B5EF4-FFF2-40B4-BE49-F238E27FC236}">
-                <a16:creationId xmlns:a16="http://schemas.microsoft.com/office/drawing/2014/main" id="{19860C9F-882A-FEBA-5B0E-6D0CB5BFDE5F}"/>
-              </a:ext>
-            </a:extLst>
-          </p:cNvPr>
-          <p:cNvPicPr>
-            <a:picLocks noChangeAspect="1" noChangeArrowheads="1"/>
-          </p:cNvPicPr>
-          <p:nvPr/>
-        </p:nvPicPr>
-        <p:blipFill>
-          <a:blip r:embed="rId9">
-            <a:extLst>
-              <a:ext uri="{28A0092B-C50C-407E-A947-70E740481C1C}">
-                <a14:useLocalDpi xmlns:a14="http://schemas.microsoft.com/office/drawing/2010/main" val="0"/>
-              </a:ext>
-            </a:extLst>
-          </a:blip>
-          <a:srcRect/>
-          <a:stretch>
-            <a:fillRect/>
-          </a:stretch>
-        </p:blipFill>
-        <p:spPr bwMode="auto">
-          <a:xfrm>
-            <a:off x="409653" y="712134"/>
-            <a:ext cx="2643747" cy="2240764"/>
-          </a:xfrm>
-          <a:prstGeom prst="rect">
-            <a:avLst/>
-          </a:prstGeom>
-          <a:noFill/>
-          <a:extLst>
-            <a:ext uri="{909E8E84-426E-40DD-AFC4-6F175D3DCCD1}">
-              <a14:hiddenFill xmlns:a14="http://schemas.microsoft.com/office/drawing/2010/main">
-                <a:solidFill>
-                  <a:srgbClr val="FFFFFF"/>
-                </a:solidFill>
-              </a14:hiddenFill>
-            </a:ext>
-          </a:extLst>
-        </p:spPr>
-      </p:pic>
-      <p:pic>
-        <p:nvPicPr>
-          <p:cNvPr id="2074" name="Picture 26">
-            <a:extLst>
-              <a:ext uri="{FF2B5EF4-FFF2-40B4-BE49-F238E27FC236}">
-                <a16:creationId xmlns:a16="http://schemas.microsoft.com/office/drawing/2014/main" id="{19945E35-0A7C-DC44-F285-BF2C33E606B3}"/>
-              </a:ext>
-            </a:extLst>
-          </p:cNvPr>
-          <p:cNvPicPr>
-            <a:picLocks noChangeAspect="1" noChangeArrowheads="1"/>
-          </p:cNvPicPr>
-          <p:nvPr/>
-        </p:nvPicPr>
-        <p:blipFill>
-          <a:blip r:embed="rId10">
-            <a:extLst>
-              <a:ext uri="{28A0092B-C50C-407E-A947-70E740481C1C}">
-                <a14:useLocalDpi xmlns:a14="http://schemas.microsoft.com/office/drawing/2010/main" val="0"/>
-              </a:ext>
-            </a:extLst>
-          </a:blip>
-          <a:srcRect/>
-          <a:stretch>
-            <a:fillRect/>
-          </a:stretch>
-        </p:blipFill>
-        <p:spPr bwMode="auto">
-          <a:xfrm>
-            <a:off x="422585" y="2618531"/>
-            <a:ext cx="2643747" cy="2079451"/>
-          </a:xfrm>
-          <a:prstGeom prst="rect">
-            <a:avLst/>
-          </a:prstGeom>
-          <a:noFill/>
-          <a:extLst>
-            <a:ext uri="{909E8E84-426E-40DD-AFC4-6F175D3DCCD1}">
-              <a14:hiddenFill xmlns:a14="http://schemas.microsoft.com/office/drawing/2010/main">
-                <a:solidFill>
-                  <a:srgbClr val="FFFFFF"/>
-                </a:solidFill>
-              </a14:hiddenFill>
-            </a:ext>
-          </a:extLst>
-        </p:spPr>
-      </p:pic>
-      <p:pic>
-        <p:nvPicPr>
-          <p:cNvPr id="2076" name="Picture 28">
-            <a:extLst>
-              <a:ext uri="{FF2B5EF4-FFF2-40B4-BE49-F238E27FC236}">
-                <a16:creationId xmlns:a16="http://schemas.microsoft.com/office/drawing/2014/main" id="{C0BB8ADA-7CD3-DCBC-6915-1A0745FADFCC}"/>
-              </a:ext>
-            </a:extLst>
-          </p:cNvPr>
-          <p:cNvPicPr>
-            <a:picLocks noChangeAspect="1" noChangeArrowheads="1"/>
-          </p:cNvPicPr>
-          <p:nvPr/>
-        </p:nvPicPr>
-        <p:blipFill>
-          <a:blip r:embed="rId11">
-            <a:extLst>
-              <a:ext uri="{28A0092B-C50C-407E-A947-70E740481C1C}">
-                <a14:useLocalDpi xmlns:a14="http://schemas.microsoft.com/office/drawing/2010/main" val="0"/>
-              </a:ext>
-            </a:extLst>
-          </a:blip>
-          <a:srcRect/>
-          <a:stretch>
-            <a:fillRect/>
-          </a:stretch>
-        </p:blipFill>
-        <p:spPr bwMode="auto">
-          <a:xfrm>
-            <a:off x="3234231" y="2618530"/>
-            <a:ext cx="2643748" cy="2079452"/>
-          </a:xfrm>
-          <a:prstGeom prst="rect">
-            <a:avLst/>
-          </a:prstGeom>
-          <a:noFill/>
-          <a:extLst>
-            <a:ext uri="{909E8E84-426E-40DD-AFC4-6F175D3DCCD1}">
-              <a14:hiddenFill xmlns:a14="http://schemas.microsoft.com/office/drawing/2010/main">
-                <a:solidFill>
-                  <a:srgbClr val="FFFFFF"/>
-                </a:solidFill>
-              </a14:hiddenFill>
-            </a:ext>
-          </a:extLst>
-        </p:spPr>
-      </p:pic>
-      <p:pic>
-        <p:nvPicPr>
-          <p:cNvPr id="2078" name="Picture 30">
-            <a:extLst>
-              <a:ext uri="{FF2B5EF4-FFF2-40B4-BE49-F238E27FC236}">
-                <a16:creationId xmlns:a16="http://schemas.microsoft.com/office/drawing/2014/main" id="{890B9605-70A8-84AE-16AF-63E30C030FCB}"/>
-              </a:ext>
-            </a:extLst>
-          </p:cNvPr>
-          <p:cNvPicPr>
-            <a:picLocks noChangeAspect="1" noChangeArrowheads="1"/>
-          </p:cNvPicPr>
-          <p:nvPr/>
-        </p:nvPicPr>
-        <p:blipFill>
-          <a:blip r:embed="rId12">
-            <a:extLst>
-              <a:ext uri="{28A0092B-C50C-407E-A947-70E740481C1C}">
-                <a14:useLocalDpi xmlns:a14="http://schemas.microsoft.com/office/drawing/2010/main" val="0"/>
-              </a:ext>
-            </a:extLst>
-          </a:blip>
-          <a:srcRect/>
-          <a:stretch>
-            <a:fillRect/>
-          </a:stretch>
-        </p:blipFill>
-        <p:spPr bwMode="auto">
-          <a:xfrm>
-            <a:off x="6034814" y="2643615"/>
-            <a:ext cx="2643748" cy="2079452"/>
-          </a:xfrm>
-          <a:prstGeom prst="rect">
-            <a:avLst/>
-          </a:prstGeom>
-          <a:noFill/>
-          <a:extLst>
-            <a:ext uri="{909E8E84-426E-40DD-AFC4-6F175D3DCCD1}">
-              <a14:hiddenFill xmlns:a14="http://schemas.microsoft.com/office/drawing/2010/main">
-                <a:solidFill>
-                  <a:srgbClr val="FFFFFF"/>
-                </a:solidFill>
-              </a14:hiddenFill>
-            </a:ext>
-          </a:extLst>
-        </p:spPr>
-      </p:pic>
-      <p:pic>
-        <p:nvPicPr>
-          <p:cNvPr id="2080" name="Picture 32">
-            <a:extLst>
-              <a:ext uri="{FF2B5EF4-FFF2-40B4-BE49-F238E27FC236}">
-                <a16:creationId xmlns:a16="http://schemas.microsoft.com/office/drawing/2014/main" id="{0A2D44CA-63C2-7FFD-86A9-839D1B43C6ED}"/>
-              </a:ext>
-            </a:extLst>
-          </p:cNvPr>
-          <p:cNvPicPr>
-            <a:picLocks noChangeAspect="1" noChangeArrowheads="1"/>
-          </p:cNvPicPr>
-          <p:nvPr/>
-        </p:nvPicPr>
-        <p:blipFill>
-          <a:blip r:embed="rId13">
-            <a:extLst>
-              <a:ext uri="{28A0092B-C50C-407E-A947-70E740481C1C}">
-                <a14:useLocalDpi xmlns:a14="http://schemas.microsoft.com/office/drawing/2010/main" val="0"/>
-              </a:ext>
-            </a:extLst>
-          </a:blip>
-          <a:srcRect/>
-          <a:stretch>
-            <a:fillRect/>
-          </a:stretch>
-        </p:blipFill>
-        <p:spPr bwMode="auto">
-          <a:xfrm>
-            <a:off x="8928500" y="2660751"/>
-            <a:ext cx="2643748" cy="2079452"/>
-          </a:xfrm>
-          <a:prstGeom prst="rect">
-            <a:avLst/>
-          </a:prstGeom>
-          <a:noFill/>
-          <a:extLst>
-            <a:ext uri="{909E8E84-426E-40DD-AFC4-6F175D3DCCD1}">
-              <a14:hiddenFill xmlns:a14="http://schemas.microsoft.com/office/drawing/2010/main">
-                <a:solidFill>
-                  <a:srgbClr val="FFFFFF"/>
-                </a:solidFill>
-              </a14:hiddenFill>
-            </a:ext>
-          </a:extLst>
-        </p:spPr>
-      </p:pic>
     </p:spTree>
     <p:extLst>
       <p:ext uri="{BB962C8B-B14F-4D97-AF65-F5344CB8AC3E}">
-        <p14:creationId xmlns:p14="http://schemas.microsoft.com/office/powerpoint/2010/main" val="1617682093"/>
+        <p14:creationId xmlns:p14="http://schemas.microsoft.com/office/powerpoint/2010/main" val="221479381"/>
       </p:ext>
     </p:extLst>
   </p:cSld>

--- a/20240621 EAD Update (Mixed Prelim) - Copy.pptx
+++ b/20240621 EAD Update (Mixed Prelim) - Copy.pptx
@@ -4103,7 +4103,7 @@
         </p:blipFill>
         <p:spPr bwMode="auto">
           <a:xfrm>
-            <a:off x="6096000" y="4304435"/>
+            <a:off x="3756212" y="4351393"/>
             <a:ext cx="3397944" cy="2488140"/>
           </a:xfrm>
           <a:prstGeom prst="rect">
@@ -4135,7 +4135,7 @@
         </p:nvSpPr>
         <p:spPr>
           <a:xfrm>
-            <a:off x="3171842" y="3833644"/>
+            <a:off x="3092823" y="3788000"/>
             <a:ext cx="6006353" cy="338554"/>
           </a:xfrm>
           <a:prstGeom prst="rect">
@@ -4186,7 +4186,7 @@
         </p:blipFill>
         <p:spPr bwMode="auto">
           <a:xfrm>
-            <a:off x="2549273" y="4283111"/>
+            <a:off x="209485" y="4330069"/>
             <a:ext cx="3397944" cy="2488139"/>
           </a:xfrm>
           <a:prstGeom prst="rect">
@@ -4244,6 +4244,97 @@
             <a:r>
               <a:rPr lang="en-US" sz="1400" i="1" dirty="0"/>
               <a:t>; only qualitative differences in distribution, no effect to comparison between species</a:t>
+            </a:r>
+          </a:p>
+        </p:txBody>
+      </p:sp>
+      <p:pic>
+        <p:nvPicPr>
+          <p:cNvPr id="1026" name="Picture 2">
+            <a:extLst>
+              <a:ext uri="{FF2B5EF4-FFF2-40B4-BE49-F238E27FC236}">
+                <a16:creationId xmlns:a16="http://schemas.microsoft.com/office/drawing/2014/main" id="{8B08BE82-D515-9524-01F8-83E4B9B5FD06}"/>
+              </a:ext>
+            </a:extLst>
+          </p:cNvPr>
+          <p:cNvPicPr>
+            <a:picLocks noChangeAspect="1" noChangeArrowheads="1"/>
+          </p:cNvPicPr>
+          <p:nvPr/>
+        </p:nvPicPr>
+        <p:blipFill>
+          <a:blip r:embed="rId12">
+            <a:extLst>
+              <a:ext uri="{28A0092B-C50C-407E-A947-70E740481C1C}">
+                <a14:useLocalDpi xmlns:a14="http://schemas.microsoft.com/office/drawing/2010/main" val="0"/>
+              </a:ext>
+            </a:extLst>
+          </a:blip>
+          <a:srcRect/>
+          <a:stretch>
+            <a:fillRect/>
+          </a:stretch>
+        </p:blipFill>
+        <p:spPr bwMode="auto">
+          <a:xfrm>
+            <a:off x="7386498" y="4351393"/>
+            <a:ext cx="3425356" cy="2508212"/>
+          </a:xfrm>
+          <a:prstGeom prst="rect">
+            <a:avLst/>
+          </a:prstGeom>
+          <a:noFill/>
+          <a:extLst>
+            <a:ext uri="{909E8E84-426E-40DD-AFC4-6F175D3DCCD1}">
+              <a14:hiddenFill xmlns:a14="http://schemas.microsoft.com/office/drawing/2010/main">
+                <a:solidFill>
+                  <a:srgbClr val="FFFFFF"/>
+                </a:solidFill>
+              </a14:hiddenFill>
+            </a:ext>
+          </a:extLst>
+        </p:spPr>
+      </p:pic>
+      <p:sp>
+        <p:nvSpPr>
+          <p:cNvPr id="2" name="TextBox 1">
+            <a:extLst>
+              <a:ext uri="{FF2B5EF4-FFF2-40B4-BE49-F238E27FC236}">
+                <a16:creationId xmlns:a16="http://schemas.microsoft.com/office/drawing/2014/main" id="{3E28B23C-2218-E039-D738-79A5284FAB57}"/>
+              </a:ext>
+            </a:extLst>
+          </p:cNvPr>
+          <p:cNvSpPr txBox="1"/>
+          <p:nvPr/>
+        </p:nvSpPr>
+        <p:spPr>
+          <a:xfrm>
+            <a:off x="8712730" y="5574138"/>
+            <a:ext cx="2321859" cy="307777"/>
+          </a:xfrm>
+          <a:prstGeom prst="rect">
+            <a:avLst/>
+          </a:prstGeom>
+          <a:noFill/>
+        </p:spPr>
+        <p:txBody>
+          <a:bodyPr wrap="square" rtlCol="0">
+            <a:spAutoFit/>
+          </a:bodyPr>
+          <a:lstStyle/>
+          <a:p>
+            <a:pPr algn="ctr"/>
+            <a:r>
+              <a:rPr lang="en-US" sz="1400" i="1" dirty="0"/>
+              <a:t>Light colors </a:t>
+            </a:r>
+            <a:r>
+              <a:rPr lang="en-US" sz="1400" i="1" dirty="0" err="1"/>
+              <a:t>phos</a:t>
+            </a:r>
+            <a:r>
+              <a:rPr lang="en-US" sz="1400" i="1" dirty="0"/>
+              <a:t>.</a:t>
             </a:r>
           </a:p>
         </p:txBody>
